--- a/R Users group.pptx
+++ b/R Users group.pptx
@@ -221,7 +221,7 @@
             <a:fld id="{C4CB4CA9-3833-48C0-BC5D-C5CEFD6165A8}" type="datetimeFigureOut">
               <a:rPr lang="en-US" smtClean="0"/>
               <a:pPr/>
-              <a:t>12/12/17</a:t>
+              <a:t>4/3/18</a:t>
             </a:fld>
             <a:endParaRPr lang="en-US"/>
           </a:p>
@@ -285,38 +285,37 @@
           <a:p>
             <a:pPr lvl="0"/>
             <a:r>
-              <a:rPr lang="en-US" smtClean="0"/>
+              <a:rPr lang="en-US"/>
               <a:t>Click to edit Master text styles</a:t>
             </a:r>
           </a:p>
           <a:p>
             <a:pPr lvl="1"/>
             <a:r>
-              <a:rPr lang="en-US" smtClean="0"/>
+              <a:rPr lang="en-US"/>
               <a:t>Second level</a:t>
             </a:r>
           </a:p>
           <a:p>
             <a:pPr lvl="2"/>
             <a:r>
-              <a:rPr lang="en-US" smtClean="0"/>
+              <a:rPr lang="en-US"/>
               <a:t>Third level</a:t>
             </a:r>
           </a:p>
           <a:p>
             <a:pPr lvl="3"/>
             <a:r>
-              <a:rPr lang="en-US" smtClean="0"/>
+              <a:rPr lang="en-US"/>
               <a:t>Fourth level</a:t>
             </a:r>
           </a:p>
           <a:p>
             <a:pPr lvl="4"/>
             <a:r>
-              <a:rPr lang="en-US" smtClean="0"/>
+              <a:rPr lang="en-US"/>
               <a:t>Fifth level</a:t>
             </a:r>
-            <a:endParaRPr lang="en-US"/>
           </a:p>
         </p:txBody>
       </p:sp>
@@ -534,6 +533,384 @@
           <a:bodyPr/>
           <a:lstStyle/>
           <a:p>
+            <a:r>
+              <a:rPr lang="en-US" dirty="0"/>
+              <a:t>ImageJ can be downloaded from the NIH website: https://</a:t>
+            </a:r>
+            <a:r>
+              <a:rPr lang="en-US" dirty="0" err="1"/>
+              <a:t>imagej.nih.gov</a:t>
+            </a:r>
+            <a:r>
+              <a:rPr lang="en-US" dirty="0"/>
+              <a:t>/</a:t>
+            </a:r>
+            <a:r>
+              <a:rPr lang="en-US" dirty="0" err="1"/>
+              <a:t>ij</a:t>
+            </a:r>
+            <a:r>
+              <a:rPr lang="en-US" dirty="0"/>
+              <a:t>/</a:t>
+            </a:r>
+            <a:r>
+              <a:rPr lang="en-US" dirty="0" err="1"/>
+              <a:t>download.html</a:t>
+            </a:r>
+            <a:endParaRPr lang="en-US" dirty="0"/>
+          </a:p>
+          <a:p>
+            <a:endParaRPr lang="en-US" dirty="0"/>
+          </a:p>
+          <a:p>
+            <a:r>
+              <a:rPr lang="en-US" dirty="0"/>
+              <a:t>R can be downloaded from the Comprehensive R Archive Network: https://</a:t>
+            </a:r>
+            <a:r>
+              <a:rPr lang="en-US" dirty="0" err="1"/>
+              <a:t>cran.r-project.org</a:t>
+            </a:r>
+            <a:r>
+              <a:rPr lang="en-US" dirty="0"/>
+              <a:t>/</a:t>
+            </a:r>
+          </a:p>
+          <a:p>
+            <a:endParaRPr lang="en-US" dirty="0"/>
+          </a:p>
+          <a:p>
+            <a:r>
+              <a:rPr lang="en-US" dirty="0"/>
+              <a:t>Both ImageJ and R are packaged in what can be a more user-friendly, integrated development environment or IDE. These environments are excellent for learning and can provide many more integrated features. Personally, I find they tend to more delicate and are likely to fail with incompatible components when everything is not maintained and updated on a regular basis.  I also prefer to have greater control over </a:t>
+            </a:r>
+            <a:r>
+              <a:rPr lang="en-US"/>
+              <a:t>the software. </a:t>
+            </a:r>
+            <a:endParaRPr lang="en-US" dirty="0"/>
+          </a:p>
+          <a:p>
+            <a:endParaRPr lang="en-US" dirty="0"/>
+          </a:p>
+          <a:p>
+            <a:r>
+              <a:rPr lang="en-US" dirty="0"/>
+              <a:t>For ImageJ, the package wrapping is Fiji:</a:t>
+            </a:r>
+          </a:p>
+          <a:p>
+            <a:r>
+              <a:rPr lang="en-US" dirty="0"/>
+              <a:t>https://</a:t>
+            </a:r>
+            <a:r>
+              <a:rPr lang="en-US" dirty="0" err="1"/>
+              <a:t>fiji.sc</a:t>
+            </a:r>
+            <a:r>
+              <a:rPr lang="en-US" dirty="0"/>
+              <a:t>/</a:t>
+            </a:r>
+          </a:p>
+          <a:p>
+            <a:endParaRPr lang="en-US" dirty="0"/>
+          </a:p>
+          <a:p>
+            <a:r>
+              <a:rPr lang="en-US" dirty="0"/>
+              <a:t>For R, the popular IDE is </a:t>
+            </a:r>
+            <a:r>
+              <a:rPr lang="en-US" dirty="0" err="1"/>
+              <a:t>RStudio</a:t>
+            </a:r>
+            <a:r>
+              <a:rPr lang="en-US" dirty="0"/>
+              <a:t>:</a:t>
+            </a:r>
+          </a:p>
+          <a:p>
+            <a:r>
+              <a:rPr lang="en-US" dirty="0"/>
+              <a:t>https://</a:t>
+            </a:r>
+            <a:r>
+              <a:rPr lang="en-US" dirty="0" err="1"/>
+              <a:t>www.rstudio.com</a:t>
+            </a:r>
+            <a:r>
+              <a:rPr lang="en-US" dirty="0"/>
+              <a:t>/products/</a:t>
+            </a:r>
+            <a:r>
+              <a:rPr lang="en-US" dirty="0" err="1"/>
+              <a:t>rstudio</a:t>
+            </a:r>
+            <a:r>
+              <a:rPr lang="en-US" dirty="0"/>
+              <a:t>/download/</a:t>
+            </a:r>
+          </a:p>
+          <a:p>
+            <a:endParaRPr lang="en-US" dirty="0"/>
+          </a:p>
+          <a:p>
+            <a:endParaRPr lang="en-US" dirty="0"/>
+          </a:p>
+        </p:txBody>
+      </p:sp>
+      <p:sp>
+        <p:nvSpPr>
+          <p:cNvPr id="4" name="Slide Number Placeholder 3"/>
+          <p:cNvSpPr>
+            <a:spLocks noGrp="1"/>
+          </p:cNvSpPr>
+          <p:nvPr>
+            <p:ph type="sldNum" sz="quarter" idx="10"/>
+          </p:nvPr>
+        </p:nvSpPr>
+        <p:spPr/>
+        <p:txBody>
+          <a:bodyPr/>
+          <a:lstStyle/>
+          <a:p>
+            <a:fld id="{B68311C2-364F-48A7-894E-B5E1138259B4}" type="slidenum">
+              <a:rPr lang="en-US" smtClean="0"/>
+              <a:pPr/>
+              <a:t>1</a:t>
+            </a:fld>
+            <a:endParaRPr lang="en-US"/>
+          </a:p>
+        </p:txBody>
+      </p:sp>
+    </p:spTree>
+    <p:extLst>
+      <p:ext uri="{BB962C8B-B14F-4D97-AF65-F5344CB8AC3E}">
+        <p14:creationId xmlns:p14="http://schemas.microsoft.com/office/powerpoint/2010/main" val="794238779"/>
+      </p:ext>
+    </p:extLst>
+  </p:cSld>
+  <p:clrMapOvr>
+    <a:masterClrMapping/>
+  </p:clrMapOvr>
+</p:notes>
+</file>
+
+<file path=ppt/notesSlides/notesSlide10.xml><?xml version="1.0" encoding="utf-8"?>
+<p:notes xmlns:a="http://schemas.openxmlformats.org/drawingml/2006/main" xmlns:r="http://schemas.openxmlformats.org/officeDocument/2006/relationships" xmlns:p="http://schemas.openxmlformats.org/presentationml/2006/main">
+  <p:cSld>
+    <p:spTree>
+      <p:nvGrpSpPr>
+        <p:cNvPr id="1" name=""/>
+        <p:cNvGrpSpPr/>
+        <p:nvPr/>
+      </p:nvGrpSpPr>
+      <p:grpSpPr>
+        <a:xfrm>
+          <a:off x="0" y="0"/>
+          <a:ext cx="0" cy="0"/>
+          <a:chOff x="0" y="0"/>
+          <a:chExt cx="0" cy="0"/>
+        </a:xfrm>
+      </p:grpSpPr>
+      <p:sp>
+        <p:nvSpPr>
+          <p:cNvPr id="2" name="Slide Image Placeholder 1"/>
+          <p:cNvSpPr>
+            <a:spLocks noGrp="1" noRot="1" noChangeAspect="1"/>
+          </p:cNvSpPr>
+          <p:nvPr>
+            <p:ph type="sldImg"/>
+          </p:nvPr>
+        </p:nvSpPr>
+        <p:spPr/>
+      </p:sp>
+      <p:sp>
+        <p:nvSpPr>
+          <p:cNvPr id="3" name="Notes Placeholder 2"/>
+          <p:cNvSpPr>
+            <a:spLocks noGrp="1"/>
+          </p:cNvSpPr>
+          <p:nvPr>
+            <p:ph type="body" idx="1"/>
+          </p:nvPr>
+        </p:nvSpPr>
+        <p:spPr/>
+        <p:txBody>
+          <a:bodyPr/>
+          <a:lstStyle/>
+          <a:p>
+            <a:endParaRPr lang="en-US" dirty="0"/>
+          </a:p>
+        </p:txBody>
+      </p:sp>
+      <p:sp>
+        <p:nvSpPr>
+          <p:cNvPr id="4" name="Slide Number Placeholder 3"/>
+          <p:cNvSpPr>
+            <a:spLocks noGrp="1"/>
+          </p:cNvSpPr>
+          <p:nvPr>
+            <p:ph type="sldNum" sz="quarter" idx="10"/>
+          </p:nvPr>
+        </p:nvSpPr>
+        <p:spPr/>
+        <p:txBody>
+          <a:bodyPr/>
+          <a:lstStyle/>
+          <a:p>
+            <a:fld id="{B68311C2-364F-48A7-894E-B5E1138259B4}" type="slidenum">
+              <a:rPr lang="en-US" smtClean="0"/>
+              <a:pPr/>
+              <a:t>13</a:t>
+            </a:fld>
+            <a:endParaRPr lang="en-US"/>
+          </a:p>
+        </p:txBody>
+      </p:sp>
+    </p:spTree>
+    <p:extLst>
+      <p:ext uri="{BB962C8B-B14F-4D97-AF65-F5344CB8AC3E}">
+        <p14:creationId xmlns:p14="http://schemas.microsoft.com/office/powerpoint/2010/main" val="1794062576"/>
+      </p:ext>
+    </p:extLst>
+  </p:cSld>
+  <p:clrMapOvr>
+    <a:masterClrMapping/>
+  </p:clrMapOvr>
+</p:notes>
+</file>
+
+<file path=ppt/notesSlides/notesSlide2.xml><?xml version="1.0" encoding="utf-8"?>
+<p:notes xmlns:a="http://schemas.openxmlformats.org/drawingml/2006/main" xmlns:r="http://schemas.openxmlformats.org/officeDocument/2006/relationships" xmlns:p="http://schemas.openxmlformats.org/presentationml/2006/main">
+  <p:cSld>
+    <p:spTree>
+      <p:nvGrpSpPr>
+        <p:cNvPr id="1" name=""/>
+        <p:cNvGrpSpPr/>
+        <p:nvPr/>
+      </p:nvGrpSpPr>
+      <p:grpSpPr>
+        <a:xfrm>
+          <a:off x="0" y="0"/>
+          <a:ext cx="0" cy="0"/>
+          <a:chOff x="0" y="0"/>
+          <a:chExt cx="0" cy="0"/>
+        </a:xfrm>
+      </p:grpSpPr>
+      <p:sp>
+        <p:nvSpPr>
+          <p:cNvPr id="2" name="Slide Image Placeholder 1"/>
+          <p:cNvSpPr>
+            <a:spLocks noGrp="1" noRot="1" noChangeAspect="1"/>
+          </p:cNvSpPr>
+          <p:nvPr>
+            <p:ph type="sldImg"/>
+          </p:nvPr>
+        </p:nvSpPr>
+        <p:spPr/>
+      </p:sp>
+      <p:sp>
+        <p:nvSpPr>
+          <p:cNvPr id="3" name="Notes Placeholder 2"/>
+          <p:cNvSpPr>
+            <a:spLocks noGrp="1"/>
+          </p:cNvSpPr>
+          <p:nvPr>
+            <p:ph type="body" idx="1"/>
+          </p:nvPr>
+        </p:nvSpPr>
+        <p:spPr/>
+        <p:txBody>
+          <a:bodyPr/>
+          <a:lstStyle/>
+          <a:p>
+            <a:endParaRPr lang="en-US" dirty="0"/>
+          </a:p>
+        </p:txBody>
+      </p:sp>
+      <p:sp>
+        <p:nvSpPr>
+          <p:cNvPr id="4" name="Slide Number Placeholder 3"/>
+          <p:cNvSpPr>
+            <a:spLocks noGrp="1"/>
+          </p:cNvSpPr>
+          <p:nvPr>
+            <p:ph type="sldNum" sz="quarter" idx="10"/>
+          </p:nvPr>
+        </p:nvSpPr>
+        <p:spPr/>
+        <p:txBody>
+          <a:bodyPr/>
+          <a:lstStyle/>
+          <a:p>
+            <a:fld id="{B68311C2-364F-48A7-894E-B5E1138259B4}" type="slidenum">
+              <a:rPr lang="en-US" smtClean="0"/>
+              <a:pPr/>
+              <a:t>2</a:t>
+            </a:fld>
+            <a:endParaRPr lang="en-US"/>
+          </a:p>
+        </p:txBody>
+      </p:sp>
+    </p:spTree>
+    <p:extLst>
+      <p:ext uri="{BB962C8B-B14F-4D97-AF65-F5344CB8AC3E}">
+        <p14:creationId xmlns:p14="http://schemas.microsoft.com/office/powerpoint/2010/main" val="3595281634"/>
+      </p:ext>
+    </p:extLst>
+  </p:cSld>
+  <p:clrMapOvr>
+    <a:masterClrMapping/>
+  </p:clrMapOvr>
+</p:notes>
+</file>
+
+<file path=ppt/notesSlides/notesSlide3.xml><?xml version="1.0" encoding="utf-8"?>
+<p:notes xmlns:a="http://schemas.openxmlformats.org/drawingml/2006/main" xmlns:r="http://schemas.openxmlformats.org/officeDocument/2006/relationships" xmlns:p="http://schemas.openxmlformats.org/presentationml/2006/main">
+  <p:cSld>
+    <p:spTree>
+      <p:nvGrpSpPr>
+        <p:cNvPr id="1" name=""/>
+        <p:cNvGrpSpPr/>
+        <p:nvPr/>
+      </p:nvGrpSpPr>
+      <p:grpSpPr>
+        <a:xfrm>
+          <a:off x="0" y="0"/>
+          <a:ext cx="0" cy="0"/>
+          <a:chOff x="0" y="0"/>
+          <a:chExt cx="0" cy="0"/>
+        </a:xfrm>
+      </p:grpSpPr>
+      <p:sp>
+        <p:nvSpPr>
+          <p:cNvPr id="2" name="Slide Image Placeholder 1"/>
+          <p:cNvSpPr>
+            <a:spLocks noGrp="1" noRot="1" noChangeAspect="1"/>
+          </p:cNvSpPr>
+          <p:nvPr>
+            <p:ph type="sldImg"/>
+          </p:nvPr>
+        </p:nvSpPr>
+        <p:spPr/>
+      </p:sp>
+      <p:sp>
+        <p:nvSpPr>
+          <p:cNvPr id="3" name="Notes Placeholder 2"/>
+          <p:cNvSpPr>
+            <a:spLocks noGrp="1"/>
+          </p:cNvSpPr>
+          <p:nvPr>
+            <p:ph type="body" idx="1"/>
+          </p:nvPr>
+        </p:nvSpPr>
+        <p:spPr/>
+        <p:txBody>
+          <a:bodyPr/>
+          <a:lstStyle/>
+          <a:p>
             <a:endParaRPr lang="en-US" dirty="0"/>
           </a:p>
         </p:txBody>
@@ -575,7 +952,7 @@
 </p:notes>
 </file>
 
-<file path=ppt/notesSlides/notesSlide2.xml><?xml version="1.0" encoding="utf-8"?>
+<file path=ppt/notesSlides/notesSlide4.xml><?xml version="1.0" encoding="utf-8"?>
 <p:notes xmlns:a="http://schemas.openxmlformats.org/drawingml/2006/main" xmlns:r="http://schemas.openxmlformats.org/officeDocument/2006/relationships" xmlns:p="http://schemas.openxmlformats.org/presentationml/2006/main">
   <p:cSld>
     <p:spTree>
@@ -660,7 +1037,7 @@
 </p:notes>
 </file>
 
-<file path=ppt/notesSlides/notesSlide3.xml><?xml version="1.0" encoding="utf-8"?>
+<file path=ppt/notesSlides/notesSlide5.xml><?xml version="1.0" encoding="utf-8"?>
 <p:notes xmlns:a="http://schemas.openxmlformats.org/drawingml/2006/main" xmlns:r="http://schemas.openxmlformats.org/officeDocument/2006/relationships" xmlns:p="http://schemas.openxmlformats.org/presentationml/2006/main">
   <p:cSld>
     <p:spTree>
@@ -745,7 +1122,7 @@
 </p:notes>
 </file>
 
-<file path=ppt/notesSlides/notesSlide4.xml><?xml version="1.0" encoding="utf-8"?>
+<file path=ppt/notesSlides/notesSlide6.xml><?xml version="1.0" encoding="utf-8"?>
 <p:notes xmlns:a="http://schemas.openxmlformats.org/drawingml/2006/main" xmlns:r="http://schemas.openxmlformats.org/officeDocument/2006/relationships" xmlns:p="http://schemas.openxmlformats.org/presentationml/2006/main">
   <p:cSld>
     <p:spTree>
@@ -830,7 +1207,7 @@
 </p:notes>
 </file>
 
-<file path=ppt/notesSlides/notesSlide5.xml><?xml version="1.0" encoding="utf-8"?>
+<file path=ppt/notesSlides/notesSlide7.xml><?xml version="1.0" encoding="utf-8"?>
 <p:notes xmlns:a="http://schemas.openxmlformats.org/drawingml/2006/main" xmlns:r="http://schemas.openxmlformats.org/officeDocument/2006/relationships" xmlns:p="http://schemas.openxmlformats.org/presentationml/2006/main">
   <p:cSld>
     <p:spTree>
@@ -915,6 +1292,194 @@
 </p:notes>
 </file>
 
+<file path=ppt/notesSlides/notesSlide8.xml><?xml version="1.0" encoding="utf-8"?>
+<p:notes xmlns:a="http://schemas.openxmlformats.org/drawingml/2006/main" xmlns:r="http://schemas.openxmlformats.org/officeDocument/2006/relationships" xmlns:p="http://schemas.openxmlformats.org/presentationml/2006/main">
+  <p:cSld>
+    <p:spTree>
+      <p:nvGrpSpPr>
+        <p:cNvPr id="1" name=""/>
+        <p:cNvGrpSpPr/>
+        <p:nvPr/>
+      </p:nvGrpSpPr>
+      <p:grpSpPr>
+        <a:xfrm>
+          <a:off x="0" y="0"/>
+          <a:ext cx="0" cy="0"/>
+          <a:chOff x="0" y="0"/>
+          <a:chExt cx="0" cy="0"/>
+        </a:xfrm>
+      </p:grpSpPr>
+      <p:sp>
+        <p:nvSpPr>
+          <p:cNvPr id="2" name="Slide Image Placeholder 1"/>
+          <p:cNvSpPr>
+            <a:spLocks noGrp="1" noRot="1" noChangeAspect="1"/>
+          </p:cNvSpPr>
+          <p:nvPr>
+            <p:ph type="sldImg"/>
+          </p:nvPr>
+        </p:nvSpPr>
+        <p:spPr/>
+      </p:sp>
+      <p:sp>
+        <p:nvSpPr>
+          <p:cNvPr id="3" name="Notes Placeholder 2"/>
+          <p:cNvSpPr>
+            <a:spLocks noGrp="1"/>
+          </p:cNvSpPr>
+          <p:nvPr>
+            <p:ph type="body" idx="1"/>
+          </p:nvPr>
+        </p:nvSpPr>
+        <p:spPr/>
+        <p:txBody>
+          <a:bodyPr/>
+          <a:lstStyle/>
+          <a:p>
+            <a:r>
+              <a:rPr lang="en-US" dirty="0"/>
+              <a:t>The key to most image processing problems is to identify the features of interest.</a:t>
+            </a:r>
+          </a:p>
+          <a:p>
+            <a:r>
+              <a:rPr lang="en-US" dirty="0"/>
+              <a:t>This amounts to determining which pixels are "features" and then which groups of pictures are related as a single "object."</a:t>
+            </a:r>
+          </a:p>
+          <a:p>
+            <a:r>
+              <a:rPr lang="en-US" dirty="0"/>
+              <a:t>In this example, we would be interested in identifying the dark blobs and then possibly counting them or measuring the area of each.</a:t>
+            </a:r>
+          </a:p>
+          <a:p>
+            <a:endParaRPr lang="en-US" dirty="0"/>
+          </a:p>
+        </p:txBody>
+      </p:sp>
+      <p:sp>
+        <p:nvSpPr>
+          <p:cNvPr id="4" name="Slide Number Placeholder 3"/>
+          <p:cNvSpPr>
+            <a:spLocks noGrp="1"/>
+          </p:cNvSpPr>
+          <p:nvPr>
+            <p:ph type="sldNum" sz="quarter" idx="10"/>
+          </p:nvPr>
+        </p:nvSpPr>
+        <p:spPr/>
+        <p:txBody>
+          <a:bodyPr/>
+          <a:lstStyle/>
+          <a:p>
+            <a:fld id="{B68311C2-364F-48A7-894E-B5E1138259B4}" type="slidenum">
+              <a:rPr lang="en-US" smtClean="0"/>
+              <a:pPr/>
+              <a:t>11</a:t>
+            </a:fld>
+            <a:endParaRPr lang="en-US"/>
+          </a:p>
+        </p:txBody>
+      </p:sp>
+    </p:spTree>
+    <p:extLst>
+      <p:ext uri="{BB962C8B-B14F-4D97-AF65-F5344CB8AC3E}">
+        <p14:creationId xmlns:p14="http://schemas.microsoft.com/office/powerpoint/2010/main" val="4170225278"/>
+      </p:ext>
+    </p:extLst>
+  </p:cSld>
+  <p:clrMapOvr>
+    <a:masterClrMapping/>
+  </p:clrMapOvr>
+</p:notes>
+</file>
+
+<file path=ppt/notesSlides/notesSlide9.xml><?xml version="1.0" encoding="utf-8"?>
+<p:notes xmlns:a="http://schemas.openxmlformats.org/drawingml/2006/main" xmlns:r="http://schemas.openxmlformats.org/officeDocument/2006/relationships" xmlns:p="http://schemas.openxmlformats.org/presentationml/2006/main">
+  <p:cSld>
+    <p:spTree>
+      <p:nvGrpSpPr>
+        <p:cNvPr id="1" name=""/>
+        <p:cNvGrpSpPr/>
+        <p:nvPr/>
+      </p:nvGrpSpPr>
+      <p:grpSpPr>
+        <a:xfrm>
+          <a:off x="0" y="0"/>
+          <a:ext cx="0" cy="0"/>
+          <a:chOff x="0" y="0"/>
+          <a:chExt cx="0" cy="0"/>
+        </a:xfrm>
+      </p:grpSpPr>
+      <p:sp>
+        <p:nvSpPr>
+          <p:cNvPr id="2" name="Slide Image Placeholder 1"/>
+          <p:cNvSpPr>
+            <a:spLocks noGrp="1" noRot="1" noChangeAspect="1"/>
+          </p:cNvSpPr>
+          <p:nvPr>
+            <p:ph type="sldImg"/>
+          </p:nvPr>
+        </p:nvSpPr>
+        <p:spPr/>
+      </p:sp>
+      <p:sp>
+        <p:nvSpPr>
+          <p:cNvPr id="3" name="Notes Placeholder 2"/>
+          <p:cNvSpPr>
+            <a:spLocks noGrp="1"/>
+          </p:cNvSpPr>
+          <p:nvPr>
+            <p:ph type="body" idx="1"/>
+          </p:nvPr>
+        </p:nvSpPr>
+        <p:spPr/>
+        <p:txBody>
+          <a:bodyPr/>
+          <a:lstStyle/>
+          <a:p>
+            <a:endParaRPr lang="en-US" dirty="0"/>
+          </a:p>
+        </p:txBody>
+      </p:sp>
+      <p:sp>
+        <p:nvSpPr>
+          <p:cNvPr id="4" name="Slide Number Placeholder 3"/>
+          <p:cNvSpPr>
+            <a:spLocks noGrp="1"/>
+          </p:cNvSpPr>
+          <p:nvPr>
+            <p:ph type="sldNum" sz="quarter" idx="10"/>
+          </p:nvPr>
+        </p:nvSpPr>
+        <p:spPr/>
+        <p:txBody>
+          <a:bodyPr/>
+          <a:lstStyle/>
+          <a:p>
+            <a:fld id="{B68311C2-364F-48A7-894E-B5E1138259B4}" type="slidenum">
+              <a:rPr lang="en-US" smtClean="0"/>
+              <a:pPr/>
+              <a:t>12</a:t>
+            </a:fld>
+            <a:endParaRPr lang="en-US"/>
+          </a:p>
+        </p:txBody>
+      </p:sp>
+    </p:spTree>
+    <p:extLst>
+      <p:ext uri="{BB962C8B-B14F-4D97-AF65-F5344CB8AC3E}">
+        <p14:creationId xmlns:p14="http://schemas.microsoft.com/office/powerpoint/2010/main" val="2763385970"/>
+      </p:ext>
+    </p:extLst>
+  </p:cSld>
+  <p:clrMapOvr>
+    <a:masterClrMapping/>
+  </p:clrMapOvr>
+</p:notes>
+</file>
+
 <file path=ppt/slideLayouts/slideLayout1.xml><?xml version="1.0" encoding="utf-8"?>
 <p:sldLayout xmlns:a="http://schemas.openxmlformats.org/drawingml/2006/main" xmlns:r="http://schemas.openxmlformats.org/officeDocument/2006/relationships" xmlns:p="http://schemas.openxmlformats.org/presentationml/2006/main" type="title" preserve="1">
   <p:cSld name="Title Slide">
@@ -953,10 +1518,9 @@
           <a:lstStyle/>
           <a:p>
             <a:r>
-              <a:rPr lang="en-US" smtClean="0"/>
+              <a:rPr lang="en-US"/>
               <a:t>Click to edit Master title style</a:t>
             </a:r>
-            <a:endParaRPr lang="en-US"/>
           </a:p>
         </p:txBody>
       </p:sp>
@@ -1072,10 +1636,9 @@
           </a:lstStyle>
           <a:p>
             <a:r>
-              <a:rPr lang="en-US" smtClean="0"/>
+              <a:rPr lang="en-US"/>
               <a:t>Click to edit Master subtitle style</a:t>
             </a:r>
-            <a:endParaRPr lang="en-US"/>
           </a:p>
         </p:txBody>
       </p:sp>
@@ -1097,7 +1660,7 @@
             <a:fld id="{08F0CEEF-075A-47E3-AC30-7B53CDFD0426}" type="datetimeFigureOut">
               <a:rPr lang="en-US" smtClean="0"/>
               <a:pPr/>
-              <a:t>12/12/17</a:t>
+              <a:t>4/3/18</a:t>
             </a:fld>
             <a:endParaRPr lang="en-US"/>
           </a:p>
@@ -1192,10 +1755,9 @@
           <a:lstStyle/>
           <a:p>
             <a:r>
-              <a:rPr lang="en-US" smtClean="0"/>
+              <a:rPr lang="en-US"/>
               <a:t>Click to edit Master title style</a:t>
             </a:r>
-            <a:endParaRPr lang="en-US"/>
           </a:p>
         </p:txBody>
       </p:sp>
@@ -1216,38 +1778,37 @@
           <a:p>
             <a:pPr lvl="0"/>
             <a:r>
-              <a:rPr lang="en-US" smtClean="0"/>
+              <a:rPr lang="en-US"/>
               <a:t>Click to edit Master text styles</a:t>
             </a:r>
           </a:p>
           <a:p>
             <a:pPr lvl="1"/>
             <a:r>
-              <a:rPr lang="en-US" smtClean="0"/>
+              <a:rPr lang="en-US"/>
               <a:t>Second level</a:t>
             </a:r>
           </a:p>
           <a:p>
             <a:pPr lvl="2"/>
             <a:r>
-              <a:rPr lang="en-US" smtClean="0"/>
+              <a:rPr lang="en-US"/>
               <a:t>Third level</a:t>
             </a:r>
           </a:p>
           <a:p>
             <a:pPr lvl="3"/>
             <a:r>
-              <a:rPr lang="en-US" smtClean="0"/>
+              <a:rPr lang="en-US"/>
               <a:t>Fourth level</a:t>
             </a:r>
           </a:p>
           <a:p>
             <a:pPr lvl="4"/>
             <a:r>
-              <a:rPr lang="en-US" smtClean="0"/>
+              <a:rPr lang="en-US"/>
               <a:t>Fifth level</a:t>
             </a:r>
-            <a:endParaRPr lang="en-US"/>
           </a:p>
         </p:txBody>
       </p:sp>
@@ -1269,7 +1830,7 @@
             <a:fld id="{08F0CEEF-075A-47E3-AC30-7B53CDFD0426}" type="datetimeFigureOut">
               <a:rPr lang="en-US" smtClean="0"/>
               <a:pPr/>
-              <a:t>12/12/17</a:t>
+              <a:t>4/3/18</a:t>
             </a:fld>
             <a:endParaRPr lang="en-US"/>
           </a:p>
@@ -1369,10 +1930,9 @@
           <a:lstStyle/>
           <a:p>
             <a:r>
-              <a:rPr lang="en-US" smtClean="0"/>
+              <a:rPr lang="en-US"/>
               <a:t>Click to edit Master title style</a:t>
             </a:r>
-            <a:endParaRPr lang="en-US"/>
           </a:p>
         </p:txBody>
       </p:sp>
@@ -1398,38 +1958,37 @@
           <a:p>
             <a:pPr lvl="0"/>
             <a:r>
-              <a:rPr lang="en-US" smtClean="0"/>
+              <a:rPr lang="en-US"/>
               <a:t>Click to edit Master text styles</a:t>
             </a:r>
           </a:p>
           <a:p>
             <a:pPr lvl="1"/>
             <a:r>
-              <a:rPr lang="en-US" smtClean="0"/>
+              <a:rPr lang="en-US"/>
               <a:t>Second level</a:t>
             </a:r>
           </a:p>
           <a:p>
             <a:pPr lvl="2"/>
             <a:r>
-              <a:rPr lang="en-US" smtClean="0"/>
+              <a:rPr lang="en-US"/>
               <a:t>Third level</a:t>
             </a:r>
           </a:p>
           <a:p>
             <a:pPr lvl="3"/>
             <a:r>
-              <a:rPr lang="en-US" smtClean="0"/>
+              <a:rPr lang="en-US"/>
               <a:t>Fourth level</a:t>
             </a:r>
           </a:p>
           <a:p>
             <a:pPr lvl="4"/>
             <a:r>
-              <a:rPr lang="en-US" smtClean="0"/>
+              <a:rPr lang="en-US"/>
               <a:t>Fifth level</a:t>
             </a:r>
-            <a:endParaRPr lang="en-US"/>
           </a:p>
         </p:txBody>
       </p:sp>
@@ -1451,7 +2010,7 @@
             <a:fld id="{08F0CEEF-075A-47E3-AC30-7B53CDFD0426}" type="datetimeFigureOut">
               <a:rPr lang="en-US" smtClean="0"/>
               <a:pPr/>
-              <a:t>12/12/17</a:t>
+              <a:t>4/3/18</a:t>
             </a:fld>
             <a:endParaRPr lang="en-US"/>
           </a:p>
@@ -1546,10 +2105,9 @@
           <a:lstStyle/>
           <a:p>
             <a:r>
-              <a:rPr lang="en-US" smtClean="0"/>
+              <a:rPr lang="en-US"/>
               <a:t>Click to edit Master title style</a:t>
             </a:r>
-            <a:endParaRPr lang="en-US"/>
           </a:p>
         </p:txBody>
       </p:sp>
@@ -1570,38 +2128,37 @@
           <a:p>
             <a:pPr lvl="0"/>
             <a:r>
-              <a:rPr lang="en-US" smtClean="0"/>
+              <a:rPr lang="en-US"/>
               <a:t>Click to edit Master text styles</a:t>
             </a:r>
           </a:p>
           <a:p>
             <a:pPr lvl="1"/>
             <a:r>
-              <a:rPr lang="en-US" smtClean="0"/>
+              <a:rPr lang="en-US"/>
               <a:t>Second level</a:t>
             </a:r>
           </a:p>
           <a:p>
             <a:pPr lvl="2"/>
             <a:r>
-              <a:rPr lang="en-US" smtClean="0"/>
+              <a:rPr lang="en-US"/>
               <a:t>Third level</a:t>
             </a:r>
           </a:p>
           <a:p>
             <a:pPr lvl="3"/>
             <a:r>
-              <a:rPr lang="en-US" smtClean="0"/>
+              <a:rPr lang="en-US"/>
               <a:t>Fourth level</a:t>
             </a:r>
           </a:p>
           <a:p>
             <a:pPr lvl="4"/>
             <a:r>
-              <a:rPr lang="en-US" smtClean="0"/>
+              <a:rPr lang="en-US"/>
               <a:t>Fifth level</a:t>
             </a:r>
-            <a:endParaRPr lang="en-US"/>
           </a:p>
         </p:txBody>
       </p:sp>
@@ -1623,7 +2180,7 @@
             <a:fld id="{08F0CEEF-075A-47E3-AC30-7B53CDFD0426}" type="datetimeFigureOut">
               <a:rPr lang="en-US" smtClean="0"/>
               <a:pPr/>
-              <a:t>12/12/17</a:t>
+              <a:t>4/3/18</a:t>
             </a:fld>
             <a:endParaRPr lang="en-US"/>
           </a:p>
@@ -1727,10 +2284,9 @@
           </a:lstStyle>
           <a:p>
             <a:r>
-              <a:rPr lang="en-US" smtClean="0"/>
+              <a:rPr lang="en-US"/>
               <a:t>Click to edit Master title style</a:t>
             </a:r>
-            <a:endParaRPr lang="en-US"/>
           </a:p>
         </p:txBody>
       </p:sp>
@@ -1847,7 +2403,7 @@
           <a:p>
             <a:pPr lvl="0"/>
             <a:r>
-              <a:rPr lang="en-US" smtClean="0"/>
+              <a:rPr lang="en-US"/>
               <a:t>Click to edit Master text styles</a:t>
             </a:r>
           </a:p>
@@ -1871,7 +2427,7 @@
             <a:fld id="{08F0CEEF-075A-47E3-AC30-7B53CDFD0426}" type="datetimeFigureOut">
               <a:rPr lang="en-US" smtClean="0"/>
               <a:pPr/>
-              <a:t>12/12/17</a:t>
+              <a:t>4/3/18</a:t>
             </a:fld>
             <a:endParaRPr lang="en-US"/>
           </a:p>
@@ -1966,10 +2522,9 @@
           <a:lstStyle/>
           <a:p>
             <a:r>
-              <a:rPr lang="en-US" smtClean="0"/>
+              <a:rPr lang="en-US"/>
               <a:t>Click to edit Master title style</a:t>
             </a:r>
-            <a:endParaRPr lang="en-US"/>
           </a:p>
         </p:txBody>
       </p:sp>
@@ -2023,38 +2578,37 @@
           <a:p>
             <a:pPr lvl="0"/>
             <a:r>
-              <a:rPr lang="en-US" smtClean="0"/>
+              <a:rPr lang="en-US"/>
               <a:t>Click to edit Master text styles</a:t>
             </a:r>
           </a:p>
           <a:p>
             <a:pPr lvl="1"/>
             <a:r>
-              <a:rPr lang="en-US" smtClean="0"/>
+              <a:rPr lang="en-US"/>
               <a:t>Second level</a:t>
             </a:r>
           </a:p>
           <a:p>
             <a:pPr lvl="2"/>
             <a:r>
-              <a:rPr lang="en-US" smtClean="0"/>
+              <a:rPr lang="en-US"/>
               <a:t>Third level</a:t>
             </a:r>
           </a:p>
           <a:p>
             <a:pPr lvl="3"/>
             <a:r>
-              <a:rPr lang="en-US" smtClean="0"/>
+              <a:rPr lang="en-US"/>
               <a:t>Fourth level</a:t>
             </a:r>
           </a:p>
           <a:p>
             <a:pPr lvl="4"/>
             <a:r>
-              <a:rPr lang="en-US" smtClean="0"/>
+              <a:rPr lang="en-US"/>
               <a:t>Fifth level</a:t>
             </a:r>
-            <a:endParaRPr lang="en-US"/>
           </a:p>
         </p:txBody>
       </p:sp>
@@ -2108,38 +2662,37 @@
           <a:p>
             <a:pPr lvl="0"/>
             <a:r>
-              <a:rPr lang="en-US" smtClean="0"/>
+              <a:rPr lang="en-US"/>
               <a:t>Click to edit Master text styles</a:t>
             </a:r>
           </a:p>
           <a:p>
             <a:pPr lvl="1"/>
             <a:r>
-              <a:rPr lang="en-US" smtClean="0"/>
+              <a:rPr lang="en-US"/>
               <a:t>Second level</a:t>
             </a:r>
           </a:p>
           <a:p>
             <a:pPr lvl="2"/>
             <a:r>
-              <a:rPr lang="en-US" smtClean="0"/>
+              <a:rPr lang="en-US"/>
               <a:t>Third level</a:t>
             </a:r>
           </a:p>
           <a:p>
             <a:pPr lvl="3"/>
             <a:r>
-              <a:rPr lang="en-US" smtClean="0"/>
+              <a:rPr lang="en-US"/>
               <a:t>Fourth level</a:t>
             </a:r>
           </a:p>
           <a:p>
             <a:pPr lvl="4"/>
             <a:r>
-              <a:rPr lang="en-US" smtClean="0"/>
+              <a:rPr lang="en-US"/>
               <a:t>Fifth level</a:t>
             </a:r>
-            <a:endParaRPr lang="en-US"/>
           </a:p>
         </p:txBody>
       </p:sp>
@@ -2161,7 +2714,7 @@
             <a:fld id="{08F0CEEF-075A-47E3-AC30-7B53CDFD0426}" type="datetimeFigureOut">
               <a:rPr lang="en-US" smtClean="0"/>
               <a:pPr/>
-              <a:t>12/12/17</a:t>
+              <a:t>4/3/18</a:t>
             </a:fld>
             <a:endParaRPr lang="en-US"/>
           </a:p>
@@ -2260,10 +2813,9 @@
           </a:lstStyle>
           <a:p>
             <a:r>
-              <a:rPr lang="en-US" smtClean="0"/>
+              <a:rPr lang="en-US"/>
               <a:t>Click to edit Master title style</a:t>
             </a:r>
-            <a:endParaRPr lang="en-US"/>
           </a:p>
         </p:txBody>
       </p:sp>
@@ -2326,7 +2878,7 @@
           <a:p>
             <a:pPr lvl="0"/>
             <a:r>
-              <a:rPr lang="en-US" smtClean="0"/>
+              <a:rPr lang="en-US"/>
               <a:t>Click to edit Master text styles</a:t>
             </a:r>
           </a:p>
@@ -2382,38 +2934,37 @@
           <a:p>
             <a:pPr lvl="0"/>
             <a:r>
-              <a:rPr lang="en-US" smtClean="0"/>
+              <a:rPr lang="en-US"/>
               <a:t>Click to edit Master text styles</a:t>
             </a:r>
           </a:p>
           <a:p>
             <a:pPr lvl="1"/>
             <a:r>
-              <a:rPr lang="en-US" smtClean="0"/>
+              <a:rPr lang="en-US"/>
               <a:t>Second level</a:t>
             </a:r>
           </a:p>
           <a:p>
             <a:pPr lvl="2"/>
             <a:r>
-              <a:rPr lang="en-US" smtClean="0"/>
+              <a:rPr lang="en-US"/>
               <a:t>Third level</a:t>
             </a:r>
           </a:p>
           <a:p>
             <a:pPr lvl="3"/>
             <a:r>
-              <a:rPr lang="en-US" smtClean="0"/>
+              <a:rPr lang="en-US"/>
               <a:t>Fourth level</a:t>
             </a:r>
           </a:p>
           <a:p>
             <a:pPr lvl="4"/>
             <a:r>
-              <a:rPr lang="en-US" smtClean="0"/>
+              <a:rPr lang="en-US"/>
               <a:t>Fifth level</a:t>
             </a:r>
-            <a:endParaRPr lang="en-US"/>
           </a:p>
         </p:txBody>
       </p:sp>
@@ -2476,7 +3027,7 @@
           <a:p>
             <a:pPr lvl="0"/>
             <a:r>
-              <a:rPr lang="en-US" smtClean="0"/>
+              <a:rPr lang="en-US"/>
               <a:t>Click to edit Master text styles</a:t>
             </a:r>
           </a:p>
@@ -2532,38 +3083,37 @@
           <a:p>
             <a:pPr lvl="0"/>
             <a:r>
-              <a:rPr lang="en-US" smtClean="0"/>
+              <a:rPr lang="en-US"/>
               <a:t>Click to edit Master text styles</a:t>
             </a:r>
           </a:p>
           <a:p>
             <a:pPr lvl="1"/>
             <a:r>
-              <a:rPr lang="en-US" smtClean="0"/>
+              <a:rPr lang="en-US"/>
               <a:t>Second level</a:t>
             </a:r>
           </a:p>
           <a:p>
             <a:pPr lvl="2"/>
             <a:r>
-              <a:rPr lang="en-US" smtClean="0"/>
+              <a:rPr lang="en-US"/>
               <a:t>Third level</a:t>
             </a:r>
           </a:p>
           <a:p>
             <a:pPr lvl="3"/>
             <a:r>
-              <a:rPr lang="en-US" smtClean="0"/>
+              <a:rPr lang="en-US"/>
               <a:t>Fourth level</a:t>
             </a:r>
           </a:p>
           <a:p>
             <a:pPr lvl="4"/>
             <a:r>
-              <a:rPr lang="en-US" smtClean="0"/>
+              <a:rPr lang="en-US"/>
               <a:t>Fifth level</a:t>
             </a:r>
-            <a:endParaRPr lang="en-US"/>
           </a:p>
         </p:txBody>
       </p:sp>
@@ -2585,7 +3135,7 @@
             <a:fld id="{08F0CEEF-075A-47E3-AC30-7B53CDFD0426}" type="datetimeFigureOut">
               <a:rPr lang="en-US" smtClean="0"/>
               <a:pPr/>
-              <a:t>12/12/17</a:t>
+              <a:t>4/3/18</a:t>
             </a:fld>
             <a:endParaRPr lang="en-US"/>
           </a:p>
@@ -2680,10 +3230,9 @@
           <a:lstStyle/>
           <a:p>
             <a:r>
-              <a:rPr lang="en-US" smtClean="0"/>
+              <a:rPr lang="en-US"/>
               <a:t>Click to edit Master title style</a:t>
             </a:r>
-            <a:endParaRPr lang="en-US"/>
           </a:p>
         </p:txBody>
       </p:sp>
@@ -2705,7 +3254,7 @@
             <a:fld id="{08F0CEEF-075A-47E3-AC30-7B53CDFD0426}" type="datetimeFigureOut">
               <a:rPr lang="en-US" smtClean="0"/>
               <a:pPr/>
-              <a:t>12/12/17</a:t>
+              <a:t>4/3/18</a:t>
             </a:fld>
             <a:endParaRPr lang="en-US"/>
           </a:p>
@@ -2802,7 +3351,7 @@
             <a:fld id="{08F0CEEF-075A-47E3-AC30-7B53CDFD0426}" type="datetimeFigureOut">
               <a:rPr lang="en-US" smtClean="0"/>
               <a:pPr/>
-              <a:t>12/12/17</a:t>
+              <a:t>4/3/18</a:t>
             </a:fld>
             <a:endParaRPr lang="en-US"/>
           </a:p>
@@ -2906,10 +3455,9 @@
           </a:lstStyle>
           <a:p>
             <a:r>
-              <a:rPr lang="en-US" smtClean="0"/>
+              <a:rPr lang="en-US"/>
               <a:t>Click to edit Master title style</a:t>
             </a:r>
-            <a:endParaRPr lang="en-US"/>
           </a:p>
         </p:txBody>
       </p:sp>
@@ -2963,38 +3511,37 @@
           <a:p>
             <a:pPr lvl="0"/>
             <a:r>
-              <a:rPr lang="en-US" smtClean="0"/>
+              <a:rPr lang="en-US"/>
               <a:t>Click to edit Master text styles</a:t>
             </a:r>
           </a:p>
           <a:p>
             <a:pPr lvl="1"/>
             <a:r>
-              <a:rPr lang="en-US" smtClean="0"/>
+              <a:rPr lang="en-US"/>
               <a:t>Second level</a:t>
             </a:r>
           </a:p>
           <a:p>
             <a:pPr lvl="2"/>
             <a:r>
-              <a:rPr lang="en-US" smtClean="0"/>
+              <a:rPr lang="en-US"/>
               <a:t>Third level</a:t>
             </a:r>
           </a:p>
           <a:p>
             <a:pPr lvl="3"/>
             <a:r>
-              <a:rPr lang="en-US" smtClean="0"/>
+              <a:rPr lang="en-US"/>
               <a:t>Fourth level</a:t>
             </a:r>
           </a:p>
           <a:p>
             <a:pPr lvl="4"/>
             <a:r>
-              <a:rPr lang="en-US" smtClean="0"/>
+              <a:rPr lang="en-US"/>
               <a:t>Fifth level</a:t>
             </a:r>
-            <a:endParaRPr lang="en-US"/>
           </a:p>
         </p:txBody>
       </p:sp>
@@ -3057,7 +3604,7 @@
           <a:p>
             <a:pPr lvl="0"/>
             <a:r>
-              <a:rPr lang="en-US" smtClean="0"/>
+              <a:rPr lang="en-US"/>
               <a:t>Click to edit Master text styles</a:t>
             </a:r>
           </a:p>
@@ -3081,7 +3628,7 @@
             <a:fld id="{08F0CEEF-075A-47E3-AC30-7B53CDFD0426}" type="datetimeFigureOut">
               <a:rPr lang="en-US" smtClean="0"/>
               <a:pPr/>
-              <a:t>12/12/17</a:t>
+              <a:t>4/3/18</a:t>
             </a:fld>
             <a:endParaRPr lang="en-US"/>
           </a:p>
@@ -3185,10 +3732,9 @@
           </a:lstStyle>
           <a:p>
             <a:r>
-              <a:rPr lang="en-US" smtClean="0"/>
+              <a:rPr lang="en-US"/>
               <a:t>Click to edit Master title style</a:t>
             </a:r>
-            <a:endParaRPr lang="en-US"/>
           </a:p>
         </p:txBody>
       </p:sp>
@@ -3312,7 +3858,7 @@
           <a:p>
             <a:pPr lvl="0"/>
             <a:r>
-              <a:rPr lang="en-US" smtClean="0"/>
+              <a:rPr lang="en-US"/>
               <a:t>Click to edit Master text styles</a:t>
             </a:r>
           </a:p>
@@ -3336,7 +3882,7 @@
             <a:fld id="{08F0CEEF-075A-47E3-AC30-7B53CDFD0426}" type="datetimeFigureOut">
               <a:rPr lang="en-US" smtClean="0"/>
               <a:pPr/>
-              <a:t>12/12/17</a:t>
+              <a:t>4/3/18</a:t>
             </a:fld>
             <a:endParaRPr lang="en-US"/>
           </a:p>
@@ -3446,10 +3992,9 @@
           <a:lstStyle/>
           <a:p>
             <a:r>
-              <a:rPr lang="en-US" smtClean="0"/>
+              <a:rPr lang="en-US"/>
               <a:t>Click to edit Master title style</a:t>
             </a:r>
-            <a:endParaRPr lang="en-US"/>
           </a:p>
         </p:txBody>
       </p:sp>
@@ -3480,38 +4025,37 @@
           <a:p>
             <a:pPr lvl="0"/>
             <a:r>
-              <a:rPr lang="en-US" smtClean="0"/>
+              <a:rPr lang="en-US"/>
               <a:t>Click to edit Master text styles</a:t>
             </a:r>
           </a:p>
           <a:p>
             <a:pPr lvl="1"/>
             <a:r>
-              <a:rPr lang="en-US" smtClean="0"/>
+              <a:rPr lang="en-US"/>
               <a:t>Second level</a:t>
             </a:r>
           </a:p>
           <a:p>
             <a:pPr lvl="2"/>
             <a:r>
-              <a:rPr lang="en-US" smtClean="0"/>
+              <a:rPr lang="en-US"/>
               <a:t>Third level</a:t>
             </a:r>
           </a:p>
           <a:p>
             <a:pPr lvl="3"/>
             <a:r>
-              <a:rPr lang="en-US" smtClean="0"/>
+              <a:rPr lang="en-US"/>
               <a:t>Fourth level</a:t>
             </a:r>
           </a:p>
           <a:p>
             <a:pPr lvl="4"/>
             <a:r>
-              <a:rPr lang="en-US" smtClean="0"/>
+              <a:rPr lang="en-US"/>
               <a:t>Fifth level</a:t>
             </a:r>
-            <a:endParaRPr lang="en-US"/>
           </a:p>
         </p:txBody>
       </p:sp>
@@ -3551,7 +4095,7 @@
             <a:fld id="{08F0CEEF-075A-47E3-AC30-7B53CDFD0426}" type="datetimeFigureOut">
               <a:rPr lang="en-US" smtClean="0"/>
               <a:pPr/>
-              <a:t>12/12/17</a:t>
+              <a:t>4/3/18</a:t>
             </a:fld>
             <a:endParaRPr lang="en-US"/>
           </a:p>
@@ -3943,18 +4487,17 @@
           <a:lstStyle/>
           <a:p>
             <a:r>
-              <a:rPr lang="en-US" dirty="0" smtClean="0"/>
+              <a:rPr lang="en-US" dirty="0"/>
               <a:t>Image processing with </a:t>
             </a:r>
             <a:r>
-              <a:rPr lang="en-US" dirty="0" err="1" smtClean="0"/>
+              <a:rPr lang="en-US" dirty="0" err="1"/>
               <a:t>EBImage</a:t>
             </a:r>
             <a:r>
-              <a:rPr lang="en-US" dirty="0" smtClean="0"/>
+              <a:rPr lang="en-US" dirty="0"/>
               <a:t> (and ImageJ)</a:t>
             </a:r>
-            <a:endParaRPr lang="en-US" dirty="0"/>
           </a:p>
         </p:txBody>
       </p:sp>
@@ -3974,22 +4517,21 @@
           <a:lstStyle/>
           <a:p>
             <a:r>
-              <a:rPr lang="en-US" dirty="0" smtClean="0"/>
+              <a:rPr lang="en-US" dirty="0"/>
               <a:t>David Ornelles</a:t>
             </a:r>
           </a:p>
           <a:p>
             <a:r>
-              <a:rPr lang="en-US" dirty="0" smtClean="0"/>
+              <a:rPr lang="en-US" dirty="0"/>
               <a:t>R Users Group of Winston-Salem</a:t>
             </a:r>
           </a:p>
           <a:p>
             <a:r>
-              <a:rPr lang="en-US" dirty="0" smtClean="0"/>
+              <a:rPr lang="en-US" dirty="0"/>
               <a:t>December 11, 2017</a:t>
             </a:r>
-            <a:endParaRPr lang="en-US" dirty="0"/>
           </a:p>
         </p:txBody>
       </p:sp>
@@ -4003,13 +4545,6 @@
   <p:clrMapOvr>
     <a:masterClrMapping/>
   </p:clrMapOvr>
-  <p:timing>
-    <p:tnLst>
-      <p:par>
-        <p:cTn id="1" dur="indefinite" restart="never" nodeType="tmRoot"/>
-      </p:par>
-    </p:tnLst>
-  </p:timing>
 </p:sld>
 </file>
 
@@ -4049,13 +4584,8 @@
           <a:p>
             <a:r>
               <a:rPr lang="en-US" dirty="0"/>
-              <a:t>Low level </a:t>
+              <a:t>Low level processing: Gaussian blur (low pass filter)</a:t>
             </a:r>
-            <a:r>
-              <a:rPr lang="en-US" dirty="0" smtClean="0"/>
-              <a:t>processing: Gaussian blur (low pass filter)</a:t>
-            </a:r>
-            <a:endParaRPr lang="en-US" dirty="0"/>
           </a:p>
         </p:txBody>
       </p:sp>
@@ -4201,13 +4731,6 @@
   <p:clrMapOvr>
     <a:masterClrMapping/>
   </p:clrMapOvr>
-  <p:timing>
-    <p:tnLst>
-      <p:par>
-        <p:cTn id="1" dur="indefinite" restart="never" nodeType="tmRoot"/>
-      </p:par>
-    </p:tnLst>
-  </p:timing>
 </p:sld>
 </file>
 
@@ -4287,10 +4810,9 @@
           <a:lstStyle/>
           <a:p>
             <a:r>
-              <a:rPr lang="en-US" dirty="0" smtClean="0"/>
+              <a:rPr lang="en-US" dirty="0"/>
               <a:t>Feature identification </a:t>
             </a:r>
-            <a:endParaRPr lang="en-US" dirty="0"/>
           </a:p>
         </p:txBody>
       </p:sp>
@@ -4305,7 +4827,7 @@
           </p:nvPr>
         </p:nvPicPr>
         <p:blipFill>
-          <a:blip r:embed="rId2" cstate="print">
+          <a:blip r:embed="rId3" cstate="print">
             <a:extLst>
               <a:ext uri="{28A0092B-C50C-407E-A947-70E740481C1C}">
                 <a14:useLocalDpi xmlns:a14="http://schemas.microsoft.com/office/drawing/2010/main" val="0"/>
@@ -4332,7 +4854,7 @@
           <p:nvPr/>
         </p:nvPicPr>
         <p:blipFill>
-          <a:blip r:embed="rId3" cstate="print">
+          <a:blip r:embed="rId4" cstate="print">
             <a:extLst>
               <a:ext uri="{28A0092B-C50C-407E-A947-70E740481C1C}">
                 <a14:useLocalDpi xmlns:a14="http://schemas.microsoft.com/office/drawing/2010/main" val="0"/>
@@ -4436,17 +4958,17 @@
           <a:lstStyle/>
           <a:p>
             <a:r>
-              <a:rPr lang="en-US" dirty="0" smtClean="0"/>
+              <a:rPr lang="en-US" dirty="0"/>
               <a:t>“Blobs” sample image</a:t>
             </a:r>
           </a:p>
           <a:p>
             <a:r>
-              <a:rPr lang="en-US" dirty="0" smtClean="0"/>
+              <a:rPr lang="en-US" dirty="0"/>
               <a:t>from </a:t>
             </a:r>
             <a:r>
-              <a:rPr lang="en-US" dirty="0" err="1" smtClean="0"/>
+              <a:rPr lang="en-US" dirty="0" err="1"/>
               <a:t>ImageJ</a:t>
             </a:r>
             <a:endParaRPr lang="en-US" dirty="0"/>
@@ -4462,7 +4984,7 @@
           <p:nvPr/>
         </p:nvPicPr>
         <p:blipFill>
-          <a:blip r:embed="rId4">
+          <a:blip r:embed="rId5">
             <a:extLst>
               <a:ext uri="{28A0092B-C50C-407E-A947-70E740481C1C}">
                 <a14:useLocalDpi xmlns:a14="http://schemas.microsoft.com/office/drawing/2010/main" val="0"/>
@@ -4550,10 +5072,9 @@
           <a:lstStyle/>
           <a:p>
             <a:r>
-              <a:rPr lang="en-US" dirty="0" smtClean="0"/>
+              <a:rPr lang="en-US" dirty="0"/>
               <a:t>Define the blobs</a:t>
             </a:r>
-            <a:endParaRPr lang="en-US" dirty="0"/>
           </a:p>
         </p:txBody>
       </p:sp>
@@ -4567,13 +5088,6 @@
   <p:clrMapOvr>
     <a:masterClrMapping/>
   </p:clrMapOvr>
-  <p:timing>
-    <p:tnLst>
-      <p:par>
-        <p:cTn id="1" dur="indefinite" restart="never" nodeType="tmRoot"/>
-      </p:par>
-    </p:tnLst>
-  </p:timing>
 </p:sld>
 </file>
 
@@ -4610,10 +5124,9 @@
           <a:lstStyle/>
           <a:p>
             <a:r>
-              <a:rPr lang="en-US" dirty="0" smtClean="0"/>
+              <a:rPr lang="en-US" dirty="0"/>
               <a:t>Talk Outline</a:t>
             </a:r>
-            <a:endParaRPr lang="en-US" dirty="0"/>
           </a:p>
         </p:txBody>
       </p:sp>
@@ -4640,37 +5153,29 @@
           <a:lstStyle/>
           <a:p>
             <a:r>
-              <a:rPr lang="en-US" dirty="0" err="1" smtClean="0"/>
+              <a:rPr lang="en-US" dirty="0" err="1"/>
               <a:t>EBImage</a:t>
             </a:r>
-            <a:endParaRPr lang="en-US" dirty="0" smtClean="0"/>
+            <a:endParaRPr lang="en-US" dirty="0"/>
           </a:p>
           <a:p>
             <a:pPr lvl="1"/>
             <a:r>
-              <a:rPr lang="en-US" dirty="0" smtClean="0"/>
+              <a:rPr lang="en-US" dirty="0"/>
               <a:t>Installation</a:t>
             </a:r>
           </a:p>
           <a:p>
             <a:pPr lvl="1"/>
             <a:r>
-              <a:rPr lang="en-US" dirty="0" smtClean="0"/>
+              <a:rPr lang="en-US" dirty="0"/>
               <a:t>Reading and displaying image</a:t>
             </a:r>
           </a:p>
           <a:p>
             <a:r>
-              <a:rPr lang="en-US" dirty="0" smtClean="0"/>
-              <a:t>Standard Image Manipulation (*Interactive </a:t>
-            </a:r>
-            <a:r>
               <a:rPr lang="en-US" dirty="0"/>
-              <a:t>with </a:t>
-            </a:r>
-            <a:r>
-              <a:rPr lang="en-US" dirty="0" smtClean="0"/>
-              <a:t>R)</a:t>
+              <a:t>Standard Image Manipulation (*Interactive with R)</a:t>
             </a:r>
           </a:p>
           <a:p>
@@ -4680,7 +5185,7 @@
               </a:tabLst>
             </a:pPr>
             <a:r>
-              <a:rPr lang="en-US" dirty="0" smtClean="0"/>
+              <a:rPr lang="en-US" dirty="0"/>
               <a:t>Brightness	- Contrast</a:t>
             </a:r>
           </a:p>
@@ -4691,7 +5196,7 @@
               </a:tabLst>
             </a:pPr>
             <a:r>
-              <a:rPr lang="en-US" dirty="0" smtClean="0"/>
+              <a:rPr lang="en-US" dirty="0"/>
               <a:t>Gamma adjustment	- Cropping*</a:t>
             </a:r>
           </a:p>
@@ -4702,7 +5207,7 @@
               </a:tabLst>
             </a:pPr>
             <a:r>
-              <a:rPr lang="en-US" dirty="0" smtClean="0"/>
+              <a:rPr lang="en-US" dirty="0"/>
               <a:t>Scaling*	- Spatial transforms*</a:t>
             </a:r>
           </a:p>
@@ -4713,7 +5218,7 @@
               </a:tabLst>
             </a:pPr>
             <a:r>
-              <a:rPr lang="en-US" dirty="0" smtClean="0"/>
+              <a:rPr lang="en-US" dirty="0"/>
               <a:t>Filtering	- Threshold</a:t>
             </a:r>
           </a:p>
@@ -4724,91 +5229,66 @@
               </a:tabLst>
             </a:pPr>
             <a:r>
-              <a:rPr lang="en-US" dirty="0" smtClean="0"/>
+              <a:rPr lang="en-US" dirty="0"/>
               <a:t>Vacation photo example</a:t>
             </a:r>
           </a:p>
           <a:p>
             <a:r>
-              <a:rPr lang="en-US" dirty="0" smtClean="0"/>
+              <a:rPr lang="en-US" dirty="0"/>
               <a:t>Real world case studies (with limitations to </a:t>
             </a:r>
             <a:r>
-              <a:rPr lang="en-US" dirty="0" err="1" smtClean="0"/>
+              <a:rPr lang="en-US" dirty="0" err="1"/>
               <a:t>EBImage</a:t>
             </a:r>
             <a:r>
-              <a:rPr lang="en-US" dirty="0" smtClean="0"/>
+              <a:rPr lang="en-US" dirty="0"/>
               <a:t>)</a:t>
             </a:r>
           </a:p>
           <a:p>
             <a:pPr lvl="1"/>
             <a:r>
-              <a:rPr lang="en-US" dirty="0" smtClean="0"/>
+              <a:rPr lang="en-US" dirty="0"/>
               <a:t>Straighten, crop and label RNA gel</a:t>
             </a:r>
           </a:p>
           <a:p>
             <a:pPr lvl="1"/>
             <a:r>
-              <a:rPr lang="en-US" dirty="0" smtClean="0"/>
+              <a:rPr lang="en-US" dirty="0"/>
               <a:t>Perform </a:t>
             </a:r>
             <a:r>
-              <a:rPr lang="en-US" dirty="0" err="1" smtClean="0"/>
+              <a:rPr lang="en-US" dirty="0" err="1"/>
               <a:t>flatfield</a:t>
             </a:r>
             <a:r>
-              <a:rPr lang="en-US" dirty="0" smtClean="0"/>
-              <a:t> </a:t>
-            </a:r>
-            <a:r>
               <a:rPr lang="en-US" dirty="0"/>
-              <a:t>correction </a:t>
-            </a:r>
-            <a:r>
-              <a:rPr lang="en-US" dirty="0" smtClean="0"/>
-              <a:t>on noisy microscope images</a:t>
+              <a:t> correction on noisy microscope images</a:t>
             </a:r>
           </a:p>
           <a:p>
             <a:pPr lvl="1"/>
             <a:r>
-              <a:rPr lang="en-US" dirty="0" smtClean="0"/>
+              <a:rPr lang="en-US" dirty="0"/>
               <a:t>Segment and classify images of sea urchin embryos</a:t>
             </a:r>
           </a:p>
           <a:p>
             <a:pPr lvl="1"/>
             <a:r>
-              <a:rPr lang="en-US" dirty="0" smtClean="0"/>
-              <a:t>Contour </a:t>
-            </a:r>
-            <a:r>
               <a:rPr lang="en-US" dirty="0"/>
-              <a:t>map homework </a:t>
-            </a:r>
-            <a:r>
-              <a:rPr lang="en-US" dirty="0" smtClean="0"/>
-              <a:t>assignment</a:t>
+              <a:t>Contour map homework assignment</a:t>
             </a:r>
           </a:p>
           <a:p>
             <a:pPr lvl="1"/>
             <a:r>
-              <a:rPr lang="en-US" dirty="0" smtClean="0"/>
-              <a:t>Virus </a:t>
+              <a:rPr lang="en-US" dirty="0"/>
+              <a:t>Virus titer from two-color fluorescent micrographs</a:t>
             </a:r>
-            <a:r>
-              <a:rPr lang="en-US" dirty="0"/>
-              <a:t>titer </a:t>
-            </a:r>
-            <a:r>
-              <a:rPr lang="en-US" dirty="0" smtClean="0"/>
-              <a:t>from two-color fluorescent micrographs</a:t>
-            </a:r>
-            <a:endParaRPr lang="en-US" dirty="0"/>
           </a:p>
         </p:txBody>
       </p:sp>
@@ -4835,27 +5315,27 @@
           <a:lstStyle/>
           <a:p>
             <a:r>
-              <a:rPr lang="en-US" dirty="0" smtClean="0"/>
+              <a:rPr lang="en-US" dirty="0"/>
               <a:t>Base R featured:</a:t>
             </a:r>
           </a:p>
           <a:p>
             <a:r>
-              <a:rPr lang="en-US" sz="1600" dirty="0" smtClean="0">
+              <a:rPr lang="en-US" sz="1600" dirty="0">
                 <a:latin typeface="Courier New" panose="02070309020205020404" pitchFamily="49" charset="0"/>
                 <a:cs typeface="Courier New" panose="02070309020205020404" pitchFamily="49" charset="0"/>
               </a:rPr>
               <a:t>locator()  </a:t>
             </a:r>
             <a:r>
-              <a:rPr lang="en-US" sz="1600" dirty="0" err="1" smtClean="0">
+              <a:rPr lang="en-US" sz="1600" dirty="0" err="1">
                 <a:latin typeface="Courier New" panose="02070309020205020404" pitchFamily="49" charset="0"/>
                 <a:cs typeface="Courier New" panose="02070309020205020404" pitchFamily="49" charset="0"/>
               </a:rPr>
               <a:t>mtext</a:t>
             </a:r>
             <a:r>
-              <a:rPr lang="en-US" sz="1600" dirty="0" smtClean="0">
+              <a:rPr lang="en-US" sz="1600" dirty="0">
                 <a:latin typeface="Courier New" panose="02070309020205020404" pitchFamily="49" charset="0"/>
                 <a:cs typeface="Courier New" panose="02070309020205020404" pitchFamily="49" charset="0"/>
               </a:rPr>
@@ -4864,14 +5344,14 @@
           </a:p>
           <a:p>
             <a:r>
-              <a:rPr lang="en-US" sz="1600" dirty="0" err="1" smtClean="0">
+              <a:rPr lang="en-US" sz="1600" dirty="0" err="1">
                 <a:latin typeface="Courier New" panose="02070309020205020404" pitchFamily="49" charset="0"/>
                 <a:cs typeface="Courier New" panose="02070309020205020404" pitchFamily="49" charset="0"/>
               </a:rPr>
               <a:t>lapply</a:t>
             </a:r>
             <a:r>
-              <a:rPr lang="en-US" sz="1600" dirty="0" smtClean="0">
+              <a:rPr lang="en-US" sz="1600" dirty="0">
                 <a:latin typeface="Courier New" panose="02070309020205020404" pitchFamily="49" charset="0"/>
                 <a:cs typeface="Courier New" panose="02070309020205020404" pitchFamily="49" charset="0"/>
               </a:rPr>
@@ -4880,14 +5360,14 @@
           </a:p>
           <a:p>
             <a:r>
-              <a:rPr lang="en-US" sz="1600" dirty="0" err="1" smtClean="0">
+              <a:rPr lang="en-US" sz="1600" dirty="0" err="1">
                 <a:latin typeface="Courier New" panose="02070309020205020404" pitchFamily="49" charset="0"/>
                 <a:cs typeface="Courier New" panose="02070309020205020404" pitchFamily="49" charset="0"/>
               </a:rPr>
               <a:t>mapply</a:t>
             </a:r>
             <a:r>
-              <a:rPr lang="en-US" sz="1600" dirty="0" smtClean="0">
+              <a:rPr lang="en-US" sz="1600" dirty="0">
                 <a:latin typeface="Courier New" panose="02070309020205020404" pitchFamily="49" charset="0"/>
                 <a:cs typeface="Courier New" panose="02070309020205020404" pitchFamily="49" charset="0"/>
               </a:rPr>
@@ -4896,38 +5376,35 @@
           </a:p>
           <a:p>
             <a:r>
-              <a:rPr lang="en-US" sz="1600" i="1" dirty="0" smtClean="0">
+              <a:rPr lang="en-US" sz="1600" i="1" dirty="0">
                 <a:cs typeface="Courier New" panose="02070309020205020404" pitchFamily="49" charset="0"/>
               </a:rPr>
               <a:t>...and not a mention of </a:t>
             </a:r>
             <a:r>
-              <a:rPr lang="en-US" sz="1600" dirty="0" err="1" smtClean="0">
+              <a:rPr lang="en-US" sz="1600" dirty="0" err="1">
                 <a:cs typeface="Courier New" panose="02070309020205020404" pitchFamily="49" charset="0"/>
               </a:rPr>
               <a:t>ggplot</a:t>
             </a:r>
             <a:r>
-              <a:rPr lang="en-US" sz="1600" i="1" dirty="0" smtClean="0">
+              <a:rPr lang="en-US" sz="1600" i="1" dirty="0">
                 <a:cs typeface="Courier New" panose="02070309020205020404" pitchFamily="49" charset="0"/>
               </a:rPr>
               <a:t> or </a:t>
             </a:r>
             <a:r>
-              <a:rPr lang="en-US" sz="1600" dirty="0" smtClean="0">
+              <a:rPr lang="en-US" sz="1600" dirty="0">
                 <a:cs typeface="Courier New" panose="02070309020205020404" pitchFamily="49" charset="0"/>
               </a:rPr>
               <a:t>lattice</a:t>
             </a:r>
             <a:r>
-              <a:rPr lang="en-US" sz="1600" i="1" dirty="0" smtClean="0">
+              <a:rPr lang="en-US" sz="1600" i="1" dirty="0">
                 <a:cs typeface="Courier New" panose="02070309020205020404" pitchFamily="49" charset="0"/>
               </a:rPr>
               <a:t>!</a:t>
             </a:r>
-            <a:endParaRPr lang="en-US" sz="1600" i="1" dirty="0">
-              <a:cs typeface="Courier New" panose="02070309020205020404" pitchFamily="49" charset="0"/>
-            </a:endParaRPr>
           </a:p>
         </p:txBody>
       </p:sp>
@@ -4941,13 +5418,6 @@
   <p:clrMapOvr>
     <a:masterClrMapping/>
   </p:clrMapOvr>
-  <p:timing>
-    <p:tnLst>
-      <p:par>
-        <p:cTn id="1" dur="indefinite" restart="never" nodeType="tmRoot"/>
-      </p:par>
-    </p:tnLst>
-  </p:timing>
 </p:sld>
 </file>
 
@@ -4984,10 +5454,9 @@
           <a:lstStyle/>
           <a:p>
             <a:r>
-              <a:rPr lang="en-US" dirty="0" smtClean="0"/>
+              <a:rPr lang="en-US" dirty="0"/>
               <a:t>Resources</a:t>
             </a:r>
-            <a:endParaRPr lang="en-US" dirty="0"/>
           </a:p>
         </p:txBody>
       </p:sp>
@@ -5009,44 +5478,40 @@
           <a:lstStyle/>
           <a:p>
             <a:r>
-              <a:rPr lang="en-US" dirty="0" err="1" smtClean="0"/>
+              <a:rPr lang="en-US" dirty="0" err="1"/>
               <a:t>EBImage</a:t>
             </a:r>
-            <a:endParaRPr lang="en-US" dirty="0" smtClean="0"/>
+            <a:endParaRPr lang="en-US" dirty="0"/>
           </a:p>
           <a:p>
             <a:pPr lvl="1"/>
             <a:r>
               <a:rPr lang="en-US" dirty="0"/>
-              <a:t>https://</a:t>
-            </a:r>
-            <a:r>
-              <a:rPr lang="en-US" dirty="0" smtClean="0"/>
-              <a:t>www.bioconductor.org</a:t>
+              <a:t>https://www.bioconductor.org</a:t>
             </a:r>
           </a:p>
           <a:p>
             <a:pPr lvl="1"/>
             <a:r>
-              <a:rPr lang="en-US" dirty="0" smtClean="0"/>
+              <a:rPr lang="en-US" dirty="0"/>
               <a:t>Search for </a:t>
             </a:r>
             <a:r>
-              <a:rPr lang="en-US" dirty="0" err="1" smtClean="0"/>
+              <a:rPr lang="en-US" dirty="0" err="1"/>
               <a:t>EBImage</a:t>
             </a:r>
             <a:endParaRPr lang="en-US" dirty="0"/>
           </a:p>
           <a:p>
             <a:r>
-              <a:rPr lang="en-US" dirty="0" smtClean="0"/>
+              <a:rPr lang="en-US" dirty="0"/>
               <a:t>ImageJ website</a:t>
             </a:r>
           </a:p>
           <a:p>
             <a:pPr lvl="1"/>
             <a:r>
-              <a:rPr lang="en-US" dirty="0" smtClean="0"/>
+              <a:rPr lang="en-US" dirty="0"/>
               <a:t>https://imagej.nih.gov/ij/</a:t>
             </a:r>
           </a:p>
@@ -5060,13 +5525,6 @@
   <p:clrMapOvr>
     <a:masterClrMapping/>
   </p:clrMapOvr>
-  <p:timing>
-    <p:tnLst>
-      <p:par>
-        <p:cTn id="1" dur="indefinite" restart="never" nodeType="tmRoot"/>
-      </p:par>
-    </p:tnLst>
-  </p:timing>
 </p:sld>
 </file>
 
@@ -5103,11 +5561,11 @@
           <a:lstStyle/>
           <a:p>
             <a:r>
-              <a:rPr lang="en-US" dirty="0" smtClean="0"/>
+              <a:rPr lang="en-US" dirty="0"/>
               <a:t>Basic Digital</a:t>
             </a:r>
             <a:r>
-              <a:rPr lang="en-US" baseline="0" dirty="0" smtClean="0"/>
+              <a:rPr lang="en-US" baseline="0" dirty="0"/>
               <a:t> Image</a:t>
             </a:r>
             <a:endParaRPr lang="en-US" dirty="0"/>
@@ -5125,7 +5583,7 @@
           </p:nvPr>
         </p:nvPicPr>
         <p:blipFill>
-          <a:blip r:embed="rId2" cstate="print">
+          <a:blip r:embed="rId3" cstate="print">
             <a:extLst>
               <a:ext uri="{28A0092B-C50C-407E-A947-70E740481C1C}">
                 <a14:useLocalDpi xmlns:a14="http://schemas.microsoft.com/office/drawing/2010/main" val="0"/>
@@ -5152,7 +5610,7 @@
           <p:nvPr/>
         </p:nvPicPr>
         <p:blipFill>
-          <a:blip r:embed="rId3" cstate="print">
+          <a:blip r:embed="rId4" cstate="print">
             <a:extLst>
               <a:ext uri="{28A0092B-C50C-407E-A947-70E740481C1C}">
                 <a14:useLocalDpi xmlns:a14="http://schemas.microsoft.com/office/drawing/2010/main" val="0"/>
@@ -5196,19 +5654,97 @@
             <a:tbl>
               <a:tblPr/>
               <a:tblGrid>
-                <a:gridCol w="199292"/>
-                <a:gridCol w="199292"/>
-                <a:gridCol w="199292"/>
-                <a:gridCol w="199292"/>
-                <a:gridCol w="199292"/>
-                <a:gridCol w="199292"/>
-                <a:gridCol w="199292"/>
-                <a:gridCol w="199292"/>
-                <a:gridCol w="199292"/>
-                <a:gridCol w="199292"/>
-                <a:gridCol w="199292"/>
-                <a:gridCol w="199292"/>
-                <a:gridCol w="199292"/>
+                <a:gridCol w="199292">
+                  <a:extLst>
+                    <a:ext uri="{9D8B030D-6E8A-4147-A177-3AD203B41FA5}">
+                      <a16:colId xmlns:a16="http://schemas.microsoft.com/office/drawing/2014/main" val="20000"/>
+                    </a:ext>
+                  </a:extLst>
+                </a:gridCol>
+                <a:gridCol w="199292">
+                  <a:extLst>
+                    <a:ext uri="{9D8B030D-6E8A-4147-A177-3AD203B41FA5}">
+                      <a16:colId xmlns:a16="http://schemas.microsoft.com/office/drawing/2014/main" val="20001"/>
+                    </a:ext>
+                  </a:extLst>
+                </a:gridCol>
+                <a:gridCol w="199292">
+                  <a:extLst>
+                    <a:ext uri="{9D8B030D-6E8A-4147-A177-3AD203B41FA5}">
+                      <a16:colId xmlns:a16="http://schemas.microsoft.com/office/drawing/2014/main" val="20002"/>
+                    </a:ext>
+                  </a:extLst>
+                </a:gridCol>
+                <a:gridCol w="199292">
+                  <a:extLst>
+                    <a:ext uri="{9D8B030D-6E8A-4147-A177-3AD203B41FA5}">
+                      <a16:colId xmlns:a16="http://schemas.microsoft.com/office/drawing/2014/main" val="20003"/>
+                    </a:ext>
+                  </a:extLst>
+                </a:gridCol>
+                <a:gridCol w="199292">
+                  <a:extLst>
+                    <a:ext uri="{9D8B030D-6E8A-4147-A177-3AD203B41FA5}">
+                      <a16:colId xmlns:a16="http://schemas.microsoft.com/office/drawing/2014/main" val="20004"/>
+                    </a:ext>
+                  </a:extLst>
+                </a:gridCol>
+                <a:gridCol w="199292">
+                  <a:extLst>
+                    <a:ext uri="{9D8B030D-6E8A-4147-A177-3AD203B41FA5}">
+                      <a16:colId xmlns:a16="http://schemas.microsoft.com/office/drawing/2014/main" val="20005"/>
+                    </a:ext>
+                  </a:extLst>
+                </a:gridCol>
+                <a:gridCol w="199292">
+                  <a:extLst>
+                    <a:ext uri="{9D8B030D-6E8A-4147-A177-3AD203B41FA5}">
+                      <a16:colId xmlns:a16="http://schemas.microsoft.com/office/drawing/2014/main" val="20006"/>
+                    </a:ext>
+                  </a:extLst>
+                </a:gridCol>
+                <a:gridCol w="199292">
+                  <a:extLst>
+                    <a:ext uri="{9D8B030D-6E8A-4147-A177-3AD203B41FA5}">
+                      <a16:colId xmlns:a16="http://schemas.microsoft.com/office/drawing/2014/main" val="20007"/>
+                    </a:ext>
+                  </a:extLst>
+                </a:gridCol>
+                <a:gridCol w="199292">
+                  <a:extLst>
+                    <a:ext uri="{9D8B030D-6E8A-4147-A177-3AD203B41FA5}">
+                      <a16:colId xmlns:a16="http://schemas.microsoft.com/office/drawing/2014/main" val="20008"/>
+                    </a:ext>
+                  </a:extLst>
+                </a:gridCol>
+                <a:gridCol w="199292">
+                  <a:extLst>
+                    <a:ext uri="{9D8B030D-6E8A-4147-A177-3AD203B41FA5}">
+                      <a16:colId xmlns:a16="http://schemas.microsoft.com/office/drawing/2014/main" val="20009"/>
+                    </a:ext>
+                  </a:extLst>
+                </a:gridCol>
+                <a:gridCol w="199292">
+                  <a:extLst>
+                    <a:ext uri="{9D8B030D-6E8A-4147-A177-3AD203B41FA5}">
+                      <a16:colId xmlns:a16="http://schemas.microsoft.com/office/drawing/2014/main" val="20010"/>
+                    </a:ext>
+                  </a:extLst>
+                </a:gridCol>
+                <a:gridCol w="199292">
+                  <a:extLst>
+                    <a:ext uri="{9D8B030D-6E8A-4147-A177-3AD203B41FA5}">
+                      <a16:colId xmlns:a16="http://schemas.microsoft.com/office/drawing/2014/main" val="20011"/>
+                    </a:ext>
+                  </a:extLst>
+                </a:gridCol>
+                <a:gridCol w="199292">
+                  <a:extLst>
+                    <a:ext uri="{9D8B030D-6E8A-4147-A177-3AD203B41FA5}">
+                      <a16:colId xmlns:a16="http://schemas.microsoft.com/office/drawing/2014/main" val="20012"/>
+                    </a:ext>
+                  </a:extLst>
+                </a:gridCol>
               </a:tblGrid>
               <a:tr h="187325">
                 <a:tc>
@@ -5640,6 +6176,11 @@
                     </a:lnB>
                   </a:tcPr>
                 </a:tc>
+                <a:extLst>
+                  <a:ext uri="{0D108BD9-81ED-4DB2-BD59-A6C34878D82A}">
+                    <a16:rowId xmlns:a16="http://schemas.microsoft.com/office/drawing/2014/main" val="10000"/>
+                  </a:ext>
+                </a:extLst>
               </a:tr>
               <a:tr h="187325">
                 <a:tc>
@@ -6071,6 +6612,11 @@
                     </a:lnB>
                   </a:tcPr>
                 </a:tc>
+                <a:extLst>
+                  <a:ext uri="{0D108BD9-81ED-4DB2-BD59-A6C34878D82A}">
+                    <a16:rowId xmlns:a16="http://schemas.microsoft.com/office/drawing/2014/main" val="10001"/>
+                  </a:ext>
+                </a:extLst>
               </a:tr>
               <a:tr h="187325">
                 <a:tc>
@@ -6502,6 +7048,11 @@
                     </a:lnB>
                   </a:tcPr>
                 </a:tc>
+                <a:extLst>
+                  <a:ext uri="{0D108BD9-81ED-4DB2-BD59-A6C34878D82A}">
+                    <a16:rowId xmlns:a16="http://schemas.microsoft.com/office/drawing/2014/main" val="10002"/>
+                  </a:ext>
+                </a:extLst>
               </a:tr>
               <a:tr h="187325">
                 <a:tc>
@@ -6933,6 +7484,11 @@
                     </a:lnB>
                   </a:tcPr>
                 </a:tc>
+                <a:extLst>
+                  <a:ext uri="{0D108BD9-81ED-4DB2-BD59-A6C34878D82A}">
+                    <a16:rowId xmlns:a16="http://schemas.microsoft.com/office/drawing/2014/main" val="10003"/>
+                  </a:ext>
+                </a:extLst>
               </a:tr>
               <a:tr h="187325">
                 <a:tc>
@@ -7364,6 +7920,11 @@
                     </a:lnB>
                   </a:tcPr>
                 </a:tc>
+                <a:extLst>
+                  <a:ext uri="{0D108BD9-81ED-4DB2-BD59-A6C34878D82A}">
+                    <a16:rowId xmlns:a16="http://schemas.microsoft.com/office/drawing/2014/main" val="10004"/>
+                  </a:ext>
+                </a:extLst>
               </a:tr>
               <a:tr h="187325">
                 <a:tc>
@@ -7795,6 +8356,11 @@
                     </a:lnB>
                   </a:tcPr>
                 </a:tc>
+                <a:extLst>
+                  <a:ext uri="{0D108BD9-81ED-4DB2-BD59-A6C34878D82A}">
+                    <a16:rowId xmlns:a16="http://schemas.microsoft.com/office/drawing/2014/main" val="10005"/>
+                  </a:ext>
+                </a:extLst>
               </a:tr>
               <a:tr h="187325">
                 <a:tc>
@@ -8226,6 +8792,11 @@
                     </a:lnB>
                   </a:tcPr>
                 </a:tc>
+                <a:extLst>
+                  <a:ext uri="{0D108BD9-81ED-4DB2-BD59-A6C34878D82A}">
+                    <a16:rowId xmlns:a16="http://schemas.microsoft.com/office/drawing/2014/main" val="10006"/>
+                  </a:ext>
+                </a:extLst>
               </a:tr>
               <a:tr h="187325">
                 <a:tc>
@@ -8657,6 +9228,11 @@
                     </a:lnB>
                   </a:tcPr>
                 </a:tc>
+                <a:extLst>
+                  <a:ext uri="{0D108BD9-81ED-4DB2-BD59-A6C34878D82A}">
+                    <a16:rowId xmlns:a16="http://schemas.microsoft.com/office/drawing/2014/main" val="10007"/>
+                  </a:ext>
+                </a:extLst>
               </a:tr>
               <a:tr h="187325">
                 <a:tc>
@@ -9088,6 +9664,11 @@
                     </a:lnB>
                   </a:tcPr>
                 </a:tc>
+                <a:extLst>
+                  <a:ext uri="{0D108BD9-81ED-4DB2-BD59-A6C34878D82A}">
+                    <a16:rowId xmlns:a16="http://schemas.microsoft.com/office/drawing/2014/main" val="10008"/>
+                  </a:ext>
+                </a:extLst>
               </a:tr>
               <a:tr h="187325">
                 <a:tc>
@@ -9519,6 +10100,11 @@
                     </a:lnB>
                   </a:tcPr>
                 </a:tc>
+                <a:extLst>
+                  <a:ext uri="{0D108BD9-81ED-4DB2-BD59-A6C34878D82A}">
+                    <a16:rowId xmlns:a16="http://schemas.microsoft.com/office/drawing/2014/main" val="10009"/>
+                  </a:ext>
+                </a:extLst>
               </a:tr>
               <a:tr h="187325">
                 <a:tc>
@@ -9950,6 +10536,11 @@
                     </a:lnB>
                   </a:tcPr>
                 </a:tc>
+                <a:extLst>
+                  <a:ext uri="{0D108BD9-81ED-4DB2-BD59-A6C34878D82A}">
+                    <a16:rowId xmlns:a16="http://schemas.microsoft.com/office/drawing/2014/main" val="10010"/>
+                  </a:ext>
+                </a:extLst>
               </a:tr>
               <a:tr h="187325">
                 <a:tc>
@@ -10381,6 +10972,11 @@
                     </a:lnB>
                   </a:tcPr>
                 </a:tc>
+                <a:extLst>
+                  <a:ext uri="{0D108BD9-81ED-4DB2-BD59-A6C34878D82A}">
+                    <a16:rowId xmlns:a16="http://schemas.microsoft.com/office/drawing/2014/main" val="10011"/>
+                  </a:ext>
+                </a:extLst>
               </a:tr>
               <a:tr h="187325">
                 <a:tc>
@@ -10812,6 +11408,11 @@
                     </a:lnB>
                   </a:tcPr>
                 </a:tc>
+                <a:extLst>
+                  <a:ext uri="{0D108BD9-81ED-4DB2-BD59-A6C34878D82A}">
+                    <a16:rowId xmlns:a16="http://schemas.microsoft.com/office/drawing/2014/main" val="10012"/>
+                  </a:ext>
+                </a:extLst>
               </a:tr>
               <a:tr h="187325">
                 <a:tc>
@@ -11243,6 +11844,11 @@
                     </a:lnB>
                   </a:tcPr>
                 </a:tc>
+                <a:extLst>
+                  <a:ext uri="{0D108BD9-81ED-4DB2-BD59-A6C34878D82A}">
+                    <a16:rowId xmlns:a16="http://schemas.microsoft.com/office/drawing/2014/main" val="10013"/>
+                  </a:ext>
+                </a:extLst>
               </a:tr>
               <a:tr h="187325">
                 <a:tc>
@@ -11674,6 +12280,11 @@
                     </a:lnB>
                   </a:tcPr>
                 </a:tc>
+                <a:extLst>
+                  <a:ext uri="{0D108BD9-81ED-4DB2-BD59-A6C34878D82A}">
+                    <a16:rowId xmlns:a16="http://schemas.microsoft.com/office/drawing/2014/main" val="10014"/>
+                  </a:ext>
+                </a:extLst>
               </a:tr>
             </a:tbl>
           </a:graphicData>
@@ -11762,17 +12373,17 @@
           <a:lstStyle/>
           <a:p>
             <a:r>
-              <a:rPr lang="en-US" dirty="0" smtClean="0"/>
+              <a:rPr lang="en-US" dirty="0"/>
               <a:t>“Blobs” sample image</a:t>
             </a:r>
           </a:p>
           <a:p>
             <a:r>
-              <a:rPr lang="en-US" dirty="0" smtClean="0"/>
+              <a:rPr lang="en-US" dirty="0"/>
               <a:t>from </a:t>
             </a:r>
             <a:r>
-              <a:rPr lang="en-US" dirty="0" err="1" smtClean="0"/>
+              <a:rPr lang="en-US" dirty="0" err="1"/>
               <a:t>ImageJ</a:t>
             </a:r>
             <a:endParaRPr lang="en-US" dirty="0"/>
@@ -11789,13 +12400,6 @@
   <p:clrMapOvr>
     <a:masterClrMapping/>
   </p:clrMapOvr>
-  <p:timing>
-    <p:tnLst>
-      <p:par>
-        <p:cTn id="1" dur="indefinite" restart="never" nodeType="tmRoot"/>
-      </p:par>
-    </p:tnLst>
-  </p:timing>
 </p:sld>
 </file>
 
@@ -11832,11 +12436,11 @@
           <a:lstStyle/>
           <a:p>
             <a:r>
-              <a:rPr lang="en-US" dirty="0" smtClean="0"/>
+              <a:rPr lang="en-US" dirty="0"/>
               <a:t>Digital Image and Bit</a:t>
             </a:r>
             <a:r>
-              <a:rPr lang="en-US" baseline="0" dirty="0" smtClean="0"/>
+              <a:rPr lang="en-US" baseline="0" dirty="0"/>
               <a:t> Depth</a:t>
             </a:r>
             <a:endParaRPr lang="en-US" dirty="0"/>
@@ -11861,44 +12465,44 @@
           <a:lstStyle/>
           <a:p>
             <a:r>
-              <a:rPr lang="en-US" sz="2800" dirty="0" smtClean="0"/>
+              <a:rPr lang="en-US" sz="2800" dirty="0"/>
               <a:t>Each cell in the two-dimensional array of numbers that </a:t>
             </a:r>
             <a:r>
-              <a:rPr lang="en-US" sz="2800" i="1" dirty="0" smtClean="0"/>
+              <a:rPr lang="en-US" sz="2800" i="1" dirty="0"/>
               <a:t>we interpret as an image</a:t>
             </a:r>
             <a:br>
-              <a:rPr lang="en-US" sz="2800" i="1" dirty="0" smtClean="0"/>
+              <a:rPr lang="en-US" sz="2800" i="1" dirty="0"/>
             </a:br>
             <a:r>
-              <a:rPr lang="en-US" sz="2800" dirty="0" smtClean="0"/>
+              <a:rPr lang="en-US" sz="2800" dirty="0"/>
               <a:t>is known as a pixel. </a:t>
             </a:r>
           </a:p>
           <a:p>
             <a:r>
-              <a:rPr lang="en-US" sz="2800" dirty="0" smtClean="0"/>
-              <a:t>Each pixel is limited to a range of values.</a:t>
+              <a:rPr lang="en-US" sz="2800" dirty="0"/>
+              <a:t>Each pixel is limited to a given range of values.</a:t>
             </a:r>
           </a:p>
           <a:p>
             <a:r>
-              <a:rPr lang="en-US" sz="2800" dirty="0" smtClean="0"/>
+              <a:rPr lang="en-US" sz="2800" dirty="0"/>
               <a:t>These values are often integers expressed as a binary number.</a:t>
             </a:r>
           </a:p>
           <a:p>
             <a:r>
-              <a:rPr lang="en-US" sz="2800" dirty="0" smtClean="0"/>
+              <a:rPr lang="en-US" sz="2800" dirty="0"/>
               <a:t>The bit-depth is log</a:t>
             </a:r>
             <a:r>
-              <a:rPr lang="en-US" sz="2800" baseline="-25000" dirty="0" smtClean="0"/>
+              <a:rPr lang="en-US" sz="2800" baseline="-25000" dirty="0"/>
               <a:t>2</a:t>
             </a:r>
             <a:r>
-              <a:rPr lang="en-US" sz="2800" dirty="0" smtClean="0"/>
+              <a:rPr lang="en-US" sz="2800" dirty="0"/>
               <a:t> of the possible values:</a:t>
             </a:r>
           </a:p>
@@ -11916,15 +12520,7 @@
             </a:r>
             <a:r>
               <a:rPr lang="en-US" sz="2400" dirty="0"/>
-              <a:t> = 256	</a:t>
-            </a:r>
-            <a:r>
-              <a:rPr lang="en-US" sz="2400" dirty="0" smtClean="0"/>
-              <a:t>	16-bit</a:t>
-            </a:r>
-            <a:r>
-              <a:rPr lang="en-US" sz="2400" dirty="0"/>
-              <a:t>: 2</a:t>
+              <a:t> = 256		16-bit: 2</a:t>
             </a:r>
             <a:r>
               <a:rPr lang="en-US" sz="2400" baseline="30000" dirty="0"/>
@@ -11934,7 +12530,6 @@
               <a:rPr lang="en-US" sz="2400" dirty="0"/>
               <a:t> = 65,536</a:t>
             </a:r>
-            <a:endParaRPr lang="en-US" sz="2400" dirty="0" smtClean="0"/>
           </a:p>
           <a:p>
             <a:pPr marL="457200" lvl="1" indent="0">
@@ -11950,33 +12545,28 @@
             </a:r>
             <a:r>
               <a:rPr lang="en-US" sz="2400" dirty="0"/>
-              <a:t> = 4,096 </a:t>
+              <a:t> = 4,096 	53-bit: 2</a:t>
             </a:r>
             <a:r>
-              <a:rPr lang="en-US" sz="2400" dirty="0" smtClean="0"/>
-              <a:t>	53-bit: 2</a:t>
-            </a:r>
-            <a:r>
-              <a:rPr lang="en-US" sz="2400" baseline="30000" dirty="0" smtClean="0"/>
+              <a:rPr lang="en-US" sz="2400" baseline="30000" dirty="0"/>
               <a:t>53</a:t>
             </a:r>
             <a:r>
-              <a:rPr lang="en-US" sz="2400" dirty="0" smtClean="0"/>
+              <a:rPr lang="en-US" sz="2400" dirty="0"/>
               <a:t> = (double precision)</a:t>
             </a:r>
-            <a:endParaRPr lang="en-US" dirty="0" smtClean="0"/>
+            <a:endParaRPr lang="en-US" dirty="0"/>
           </a:p>
           <a:p>
             <a:pPr marL="341313" indent="-284163"/>
             <a:r>
-              <a:rPr lang="en-US" sz="2600" dirty="0" err="1" smtClean="0"/>
+              <a:rPr lang="en-US" sz="2600" dirty="0" err="1"/>
               <a:t>EBImage</a:t>
             </a:r>
             <a:r>
-              <a:rPr lang="en-US" sz="2600" dirty="0" smtClean="0"/>
+              <a:rPr lang="en-US" sz="2600" dirty="0"/>
               <a:t> uses double precision or real numbers.</a:t>
             </a:r>
-            <a:endParaRPr lang="en-US" sz="2600" dirty="0"/>
           </a:p>
           <a:p>
             <a:pPr marL="457200" lvl="1" indent="0">
@@ -11996,13 +12586,6 @@
   <p:clrMapOvr>
     <a:masterClrMapping/>
   </p:clrMapOvr>
-  <p:timing>
-    <p:tnLst>
-      <p:par>
-        <p:cTn id="1" dur="indefinite" restart="never" nodeType="tmRoot"/>
-      </p:par>
-    </p:tnLst>
-  </p:timing>
 </p:sld>
 </file>
 
@@ -12039,18 +12622,17 @@
           <a:lstStyle/>
           <a:p>
             <a:r>
-              <a:rPr lang="en-US" dirty="0" smtClean="0"/>
+              <a:rPr lang="en-US" dirty="0"/>
               <a:t>How good </a:t>
             </a:r>
             <a:r>
-              <a:rPr lang="en-US" i="1" dirty="0" smtClean="0"/>
+              <a:rPr lang="en-US" i="1" dirty="0"/>
               <a:t>are</a:t>
             </a:r>
             <a:r>
-              <a:rPr lang="en-US" dirty="0" smtClean="0"/>
+              <a:rPr lang="en-US" dirty="0"/>
               <a:t> your eyes?</a:t>
             </a:r>
-            <a:endParaRPr lang="en-US" dirty="0"/>
           </a:p>
         </p:txBody>
       </p:sp>
@@ -12107,10 +12689,9 @@
           <a:lstStyle/>
           <a:p>
             <a:r>
-              <a:rPr lang="en-US" dirty="0" smtClean="0"/>
+              <a:rPr lang="en-US" dirty="0"/>
               <a:t>Compare the gray level in the squares labeled “A” and “B”</a:t>
             </a:r>
-            <a:endParaRPr lang="en-US" dirty="0"/>
           </a:p>
         </p:txBody>
       </p:sp>
@@ -12124,21 +12705,6 @@
   <p:clrMapOvr>
     <a:masterClrMapping/>
   </p:clrMapOvr>
-  <mc:AlternateContent xmlns:mc="http://schemas.openxmlformats.org/markup-compatibility/2006">
-    <mc:Choice xmlns:p14="http://schemas.microsoft.com/office/powerpoint/2010/main" Requires="p14">
-      <p:transition spd="slow" p14:dur="2000"/>
-    </mc:Choice>
-    <mc:Fallback>
-      <p:transition spd="slow"/>
-    </mc:Fallback>
-  </mc:AlternateContent>
-  <p:timing>
-    <p:tnLst>
-      <p:par>
-        <p:cTn id="1" dur="indefinite" restart="never" nodeType="tmRoot"/>
-      </p:par>
-    </p:tnLst>
-  </p:timing>
 </p:sld>
 </file>
 
@@ -12226,14 +12792,13 @@
           <a:lstStyle/>
           <a:p>
             <a:r>
-              <a:rPr lang="en-US" dirty="0" err="1" smtClean="0"/>
+              <a:rPr lang="en-US" dirty="0" err="1"/>
               <a:t>Pseudocoloring</a:t>
             </a:r>
             <a:r>
-              <a:rPr lang="en-US" dirty="0" smtClean="0"/>
+              <a:rPr lang="en-US" dirty="0"/>
               <a:t> reveals surprise</a:t>
             </a:r>
-            <a:endParaRPr lang="en-US" dirty="0"/>
           </a:p>
         </p:txBody>
       </p:sp>
@@ -12289,10 +12854,9 @@
           <a:lstStyle/>
           <a:p>
             <a:r>
-              <a:rPr lang="en-US" dirty="0" smtClean="0"/>
+              <a:rPr lang="en-US" dirty="0"/>
               <a:t>A and B have the same gray level (intensity)</a:t>
             </a:r>
-            <a:endParaRPr lang="en-US" dirty="0"/>
           </a:p>
         </p:txBody>
       </p:sp>
@@ -13043,13 +13607,13 @@
           <a:lstStyle/>
           <a:p>
             <a:r>
-              <a:rPr lang="en-US" dirty="0" smtClean="0"/>
+              <a:rPr lang="en-US" dirty="0"/>
               <a:t>.</a:t>
             </a:r>
           </a:p>
           <a:p>
             <a:r>
-              <a:rPr lang="en-US" dirty="0" smtClean="0"/>
+              <a:rPr lang="en-US" dirty="0"/>
               <a:t>.</a:t>
             </a:r>
           </a:p>
@@ -13162,17 +13726,16 @@
           <a:lstStyle/>
           <a:p>
             <a:r>
-              <a:rPr lang="en-US" dirty="0" smtClean="0"/>
+              <a:rPr lang="en-US" dirty="0"/>
               <a:t>Change in the</a:t>
             </a:r>
             <a:br>
-              <a:rPr lang="en-US" dirty="0" smtClean="0"/>
+              <a:rPr lang="en-US" dirty="0"/>
             </a:br>
             <a:r>
-              <a:rPr lang="en-US" dirty="0" smtClean="0"/>
+              <a:rPr lang="en-US" dirty="0"/>
               <a:t>look-up table (LUT)</a:t>
             </a:r>
-            <a:endParaRPr lang="en-US" dirty="0"/>
           </a:p>
         </p:txBody>
       </p:sp>
@@ -13186,21 +13749,6 @@
   <p:clrMapOvr>
     <a:masterClrMapping/>
   </p:clrMapOvr>
-  <mc:AlternateContent xmlns:mc="http://schemas.openxmlformats.org/markup-compatibility/2006">
-    <mc:Choice xmlns:p14="http://schemas.microsoft.com/office/powerpoint/2010/main" Requires="p14">
-      <p:transition spd="slow" p14:dur="2000"/>
-    </mc:Choice>
-    <mc:Fallback>
-      <p:transition spd="slow"/>
-    </mc:Fallback>
-  </mc:AlternateContent>
-  <p:timing>
-    <p:tnLst>
-      <p:par>
-        <p:cTn id="1" dur="indefinite" restart="never" nodeType="tmRoot"/>
-      </p:par>
-    </p:tnLst>
-  </p:timing>
 </p:sld>
 </file>
 
@@ -13239,17 +13787,16 @@
           <a:lstStyle/>
           <a:p>
             <a:r>
-              <a:rPr lang="en-US" sz="4000" dirty="0" smtClean="0"/>
+              <a:rPr lang="en-US" sz="4000" dirty="0"/>
               <a:t>Tools for quantitative</a:t>
             </a:r>
             <a:br>
-              <a:rPr lang="en-US" sz="4000" dirty="0" smtClean="0"/>
+              <a:rPr lang="en-US" sz="4000" dirty="0"/>
             </a:br>
             <a:r>
-              <a:rPr lang="en-US" sz="4000" dirty="0" smtClean="0"/>
+              <a:rPr lang="en-US" sz="4000" dirty="0"/>
               <a:t>image analysis</a:t>
             </a:r>
-            <a:endParaRPr lang="en-US" sz="4000" dirty="0"/>
           </a:p>
         </p:txBody>
       </p:sp>
@@ -13271,75 +13818,55 @@
           <a:lstStyle/>
           <a:p>
             <a:r>
-              <a:rPr lang="en-US" sz="2800" b="1" dirty="0" err="1" smtClean="0"/>
+              <a:rPr lang="en-US" sz="2800" b="1" dirty="0" err="1"/>
               <a:t>ImageJ</a:t>
             </a:r>
             <a:r>
-              <a:rPr lang="en-US" sz="2800" dirty="0" smtClean="0"/>
+              <a:rPr lang="en-US" sz="2800" dirty="0"/>
               <a:t> </a:t>
             </a:r>
           </a:p>
           <a:p>
             <a:pPr lvl="1"/>
             <a:r>
-              <a:rPr lang="en-US" sz="2400" dirty="0" smtClean="0"/>
+              <a:rPr lang="en-US" sz="2400" dirty="0"/>
               <a:t>Java-based image processing program developed at the National Institutes of Health by Wayne </a:t>
             </a:r>
             <a:r>
-              <a:rPr lang="en-US" sz="2400" dirty="0" err="1" smtClean="0"/>
+              <a:rPr lang="en-US" sz="2400" dirty="0" err="1"/>
               <a:t>Rasband</a:t>
             </a:r>
             <a:r>
-              <a:rPr lang="en-US" sz="2400" dirty="0" smtClean="0"/>
+              <a:rPr lang="en-US" sz="2400" dirty="0"/>
               <a:t>.</a:t>
             </a:r>
           </a:p>
           <a:p>
             <a:pPr lvl="1"/>
             <a:r>
-              <a:rPr lang="en-US" sz="2400" dirty="0" smtClean="0"/>
-              <a:t>Open source, </a:t>
+              <a:rPr lang="en-US" sz="2400" dirty="0"/>
+              <a:t>Open source,  software package fully extensible with Java and a Java script-like macro programming</a:t>
             </a:r>
+            <a:br>
+              <a:rPr lang="en-US" sz="2400" dirty="0"/>
+            </a:br>
             <a:r>
               <a:rPr lang="en-US" sz="2400" dirty="0"/>
-              <a:t> </a:t>
-            </a:r>
-            <a:r>
-              <a:rPr lang="en-US" sz="2400" dirty="0" smtClean="0"/>
-              <a:t>software package</a:t>
-            </a:r>
-            <a:r>
-              <a:rPr lang="en-US" sz="2400" dirty="0"/>
-              <a:t> </a:t>
-            </a:r>
-            <a:r>
-              <a:rPr lang="en-US" sz="2400" dirty="0" smtClean="0"/>
-              <a:t>fully extensible with Java and a Java script-like macro programming</a:t>
-            </a:r>
-            <a:br>
-              <a:rPr lang="en-US" sz="2400" dirty="0" smtClean="0"/>
-            </a:br>
-            <a:r>
-              <a:rPr lang="en-US" sz="2400" dirty="0" smtClean="0"/>
               <a:t>language</a:t>
             </a:r>
           </a:p>
           <a:p>
             <a:r>
-              <a:rPr lang="en-US" sz="2800" b="1" dirty="0" err="1" smtClean="0"/>
+              <a:rPr lang="en-US" sz="2800" b="1" dirty="0" err="1"/>
               <a:t>EBImage</a:t>
             </a:r>
-            <a:endParaRPr lang="en-US" sz="2800" b="1" dirty="0" smtClean="0"/>
+            <a:endParaRPr lang="en-US" sz="2800" b="1" dirty="0"/>
           </a:p>
           <a:p>
             <a:pPr lvl="1"/>
             <a:r>
-              <a:rPr lang="en-US" sz="2400" dirty="0" smtClean="0"/>
+              <a:rPr lang="en-US" sz="2400" dirty="0"/>
               <a:t>Package in Bioconductor runs</a:t>
-            </a:r>
-            <a:r>
-              <a:rPr lang="en-US" sz="2400" dirty="0"/>
-              <a:t/>
             </a:r>
             <a:br>
               <a:rPr lang="en-US" sz="2400" dirty="0"/>
@@ -13354,35 +13881,30 @@
             </a:r>
             <a:r>
               <a:rPr lang="en-US" sz="2400" dirty="0"/>
-              <a:t> </a:t>
-            </a:r>
-            <a:r>
-              <a:rPr lang="en-US" sz="2400" dirty="0" smtClean="0"/>
-              <a:t>Pau, Florian Fuchs,</a:t>
+              <a:t> Pau, Florian Fuchs,</a:t>
             </a:r>
             <a:br>
-              <a:rPr lang="en-US" sz="2400" dirty="0" smtClean="0"/>
+              <a:rPr lang="en-US" sz="2400" dirty="0"/>
             </a:br>
             <a:r>
-              <a:rPr lang="en-US" sz="2400" dirty="0" smtClean="0"/>
+              <a:rPr lang="en-US" sz="2400" dirty="0"/>
               <a:t>Oleg </a:t>
             </a:r>
             <a:r>
-              <a:rPr lang="en-US" sz="2400" dirty="0" err="1" smtClean="0"/>
+              <a:rPr lang="en-US" sz="2400" dirty="0" err="1"/>
               <a:t>Sklyar</a:t>
             </a:r>
             <a:r>
-              <a:rPr lang="en-US" sz="2400" dirty="0" smtClean="0"/>
+              <a:rPr lang="en-US" sz="2400" dirty="0"/>
               <a:t>, Michael Boutros and</a:t>
             </a:r>
             <a:br>
-              <a:rPr lang="en-US" sz="2400" dirty="0" smtClean="0"/>
+              <a:rPr lang="en-US" sz="2400" dirty="0"/>
             </a:br>
             <a:r>
-              <a:rPr lang="en-US" sz="2400" dirty="0" smtClean="0"/>
+              <a:rPr lang="en-US" sz="2400" dirty="0"/>
               <a:t>Wolfgang Huber)</a:t>
             </a:r>
-            <a:endParaRPr lang="en-US" sz="2400" dirty="0"/>
           </a:p>
         </p:txBody>
       </p:sp>
@@ -13440,10 +13962,9 @@
           <a:p>
             <a:pPr algn="r"/>
             <a:r>
-              <a:rPr lang="en-US" sz="1200" dirty="0" smtClean="0"/>
+              <a:rPr lang="en-US" sz="1200" dirty="0"/>
               <a:t>http://www.optinav.com/Bob_ImageJ_Conference_Photos/source/100_0200.htm</a:t>
             </a:r>
-            <a:endParaRPr lang="en-US" sz="1200" dirty="0"/>
           </a:p>
         </p:txBody>
       </p:sp>
@@ -13457,13 +13978,6 @@
   <p:clrMapOvr>
     <a:masterClrMapping/>
   </p:clrMapOvr>
-  <p:timing>
-    <p:tnLst>
-      <p:par>
-        <p:cTn id="1" dur="indefinite" restart="never" nodeType="tmRoot"/>
-      </p:par>
-    </p:tnLst>
-  </p:timing>
 </p:sld>
 </file>
 
@@ -13500,11 +14014,11 @@
           <a:lstStyle/>
           <a:p>
             <a:r>
-              <a:rPr lang="en-US" dirty="0" smtClean="0"/>
+              <a:rPr lang="en-US" dirty="0"/>
               <a:t>Typical Image Work</a:t>
             </a:r>
             <a:r>
-              <a:rPr lang="en-US" baseline="0" dirty="0" smtClean="0"/>
+              <a:rPr lang="en-US" baseline="0" dirty="0"/>
               <a:t> Flow</a:t>
             </a:r>
             <a:endParaRPr lang="en-US" dirty="0"/>
@@ -13533,7 +14047,7 @@
               <a:buAutoNum type="arabicPeriod"/>
             </a:pPr>
             <a:r>
-              <a:rPr lang="en-US" dirty="0" smtClean="0"/>
+              <a:rPr lang="en-US" dirty="0"/>
               <a:t>Read image</a:t>
             </a:r>
           </a:p>
@@ -13542,16 +14056,8 @@
               <a:buNone/>
             </a:pPr>
             <a:r>
-              <a:rPr lang="en-US" dirty="0" smtClean="0"/>
-              <a:t>TIFF, PNG</a:t>
-            </a:r>
-            <a:r>
               <a:rPr lang="en-US" dirty="0"/>
-              <a:t> </a:t>
-            </a:r>
-            <a:r>
-              <a:rPr lang="en-US" dirty="0" smtClean="0"/>
-              <a:t>or JPEG format</a:t>
+              <a:t>TIFF, PNG or JPEG format</a:t>
             </a:r>
           </a:p>
           <a:p>
@@ -13563,8 +14069,8 @@
               <a:buAutoNum type="arabicPeriod"/>
             </a:pPr>
             <a:r>
-              <a:rPr lang="en-US" dirty="0" smtClean="0"/>
-              <a:t>Low level processing</a:t>
+              <a:rPr lang="en-US" dirty="0"/>
+              <a:t>Perform low level processing</a:t>
             </a:r>
           </a:p>
           <a:p>
@@ -13572,8 +14078,8 @@
               <a:buNone/>
             </a:pPr>
             <a:r>
-              <a:rPr lang="en-US" dirty="0" smtClean="0"/>
-              <a:t>Brightness/contrast, noise, linear and non-linear filters</a:t>
+              <a:rPr lang="en-US" dirty="0"/>
+              <a:t>Brightness/contrast, noise, linear, and non-linear filters</a:t>
             </a:r>
           </a:p>
           <a:p>
@@ -13585,11 +14091,11 @@
               <a:buAutoNum type="arabicPeriod"/>
             </a:pPr>
             <a:r>
-              <a:rPr lang="en-US" dirty="0" smtClean="0"/>
+              <a:rPr lang="en-US" dirty="0"/>
               <a:t>Feature </a:t>
             </a:r>
             <a:r>
-              <a:rPr lang="en-US" b="1" dirty="0" smtClean="0"/>
+              <a:rPr lang="en-US" b="1" dirty="0"/>
               <a:t>identification</a:t>
             </a:r>
           </a:p>
@@ -13598,8 +14104,8 @@
               <a:buNone/>
             </a:pPr>
             <a:r>
-              <a:rPr lang="en-US" dirty="0" smtClean="0"/>
-              <a:t>Lump related pixels together</a:t>
+              <a:rPr lang="en-US" dirty="0"/>
+              <a:t>Lump related pixels together to define "objects"</a:t>
             </a:r>
           </a:p>
           <a:p>
@@ -13611,11 +14117,11 @@
               <a:buAutoNum type="arabicPeriod"/>
             </a:pPr>
             <a:r>
-              <a:rPr lang="en-US" dirty="0" smtClean="0"/>
+              <a:rPr lang="en-US" dirty="0"/>
               <a:t>Feature </a:t>
             </a:r>
             <a:r>
-              <a:rPr lang="en-US" b="1" dirty="0" smtClean="0"/>
+              <a:rPr lang="en-US" b="1" dirty="0"/>
               <a:t>measurement</a:t>
             </a:r>
           </a:p>
@@ -13624,8 +14130,8 @@
               <a:buNone/>
             </a:pPr>
             <a:r>
-              <a:rPr lang="en-US" dirty="0" smtClean="0"/>
-              <a:t>Shape, intensity, moments, textures</a:t>
+              <a:rPr lang="en-US" dirty="0"/>
+              <a:t>Presence or absence, shape, intensity, moments, textures...</a:t>
             </a:r>
           </a:p>
           <a:p>
@@ -13637,11 +14143,11 @@
               <a:buAutoNum type="arabicPeriod"/>
             </a:pPr>
             <a:r>
-              <a:rPr lang="en-US" dirty="0" smtClean="0"/>
+              <a:rPr lang="en-US" dirty="0"/>
               <a:t>Feature </a:t>
             </a:r>
             <a:r>
-              <a:rPr lang="en-US" b="1" dirty="0" smtClean="0"/>
+              <a:rPr lang="en-US" b="1" dirty="0"/>
               <a:t>analysis</a:t>
             </a:r>
           </a:p>
@@ -13650,16 +14156,9 @@
               <a:buNone/>
             </a:pPr>
             <a:r>
-              <a:rPr lang="en-US" dirty="0" smtClean="0"/>
-              <a:t>Stuff R does very well</a:t>
+              <a:rPr lang="en-US" dirty="0"/>
+              <a:t>This is an activity R is very well suited for</a:t>
             </a:r>
-          </a:p>
-          <a:p>
-            <a:pPr marL="514350" indent="-514350">
-              <a:buFont typeface="+mj-lt"/>
-              <a:buAutoNum type="arabicPeriod"/>
-            </a:pPr>
-            <a:endParaRPr lang="en-US" dirty="0"/>
           </a:p>
         </p:txBody>
       </p:sp>
@@ -13673,13 +14172,6 @@
   <p:clrMapOvr>
     <a:masterClrMapping/>
   </p:clrMapOvr>
-  <p:timing>
-    <p:tnLst>
-      <p:par>
-        <p:cTn id="1" dur="indefinite" restart="never" nodeType="tmRoot"/>
-      </p:par>
-    </p:tnLst>
-  </p:timing>
 </p:sld>
 </file>
 
@@ -13716,10 +14208,9 @@
           <a:lstStyle/>
           <a:p>
             <a:r>
-              <a:rPr lang="en-US" dirty="0" smtClean="0"/>
+              <a:rPr lang="en-US" dirty="0"/>
               <a:t>Low level processing</a:t>
             </a:r>
-            <a:endParaRPr lang="en-US" dirty="0"/>
           </a:p>
         </p:txBody>
       </p:sp>
@@ -13741,46 +14232,46 @@
           <a:lstStyle/>
           <a:p>
             <a:r>
-              <a:rPr lang="en-US" dirty="0" smtClean="0"/>
+              <a:rPr lang="en-US" dirty="0"/>
               <a:t>Brightness &amp; contrast</a:t>
             </a:r>
           </a:p>
           <a:p>
             <a:r>
-              <a:rPr lang="en-US" dirty="0" smtClean="0"/>
+              <a:rPr lang="en-US" dirty="0"/>
               <a:t>Kernel filters</a:t>
             </a:r>
           </a:p>
           <a:p>
             <a:pPr lvl="1"/>
             <a:r>
-              <a:rPr lang="en-US" dirty="0" smtClean="0"/>
+              <a:rPr lang="en-US" dirty="0"/>
               <a:t>3x3 </a:t>
             </a:r>
             <a:r>
-              <a:rPr lang="en-US" b="1" dirty="0" smtClean="0"/>
+              <a:rPr lang="en-US" b="1" dirty="0"/>
               <a:t>Median filter</a:t>
             </a:r>
             <a:r>
-              <a:rPr lang="en-US" dirty="0" smtClean="0"/>
+              <a:rPr lang="en-US" dirty="0"/>
               <a:t> replaces each pixel with the median of the 9 pixels neighboring pixels</a:t>
             </a:r>
           </a:p>
           <a:p>
             <a:pPr lvl="1"/>
             <a:r>
-              <a:rPr lang="en-US" b="1" dirty="0" smtClean="0"/>
+              <a:rPr lang="en-US" b="1" dirty="0"/>
               <a:t>Gaussian filter </a:t>
             </a:r>
             <a:r>
-              <a:rPr lang="en-US" dirty="0" smtClean="0"/>
+              <a:rPr lang="en-US" dirty="0"/>
               <a:t>is something of a distance-weighted average</a:t>
             </a:r>
           </a:p>
           <a:p>
             <a:pPr lvl="1"/>
             <a:r>
-              <a:rPr lang="en-US" dirty="0" smtClean="0"/>
+              <a:rPr lang="en-US" dirty="0"/>
               <a:t>Other spatial filters perform similar smoothing operations or enhance edges in one direction or another or enhance changes in values</a:t>
             </a:r>
           </a:p>
@@ -13796,13 +14287,6 @@
   <p:clrMapOvr>
     <a:masterClrMapping/>
   </p:clrMapOvr>
-  <p:timing>
-    <p:tnLst>
-      <p:par>
-        <p:cTn id="1" dur="indefinite" restart="never" nodeType="tmRoot"/>
-      </p:par>
-    </p:tnLst>
-  </p:timing>
 </p:sld>
 </file>
 
@@ -13846,10 +14330,9 @@
           <a:lstStyle/>
           <a:p>
             <a:r>
-              <a:rPr lang="en-US" dirty="0" smtClean="0"/>
+              <a:rPr lang="en-US" dirty="0"/>
               <a:t>Low level processing: 3 x 3 median filter (non-linear)</a:t>
             </a:r>
-            <a:endParaRPr lang="en-US" dirty="0"/>
           </a:p>
         </p:txBody>
       </p:sp>
@@ -13877,19 +14360,97 @@
             <a:tbl>
               <a:tblPr/>
               <a:tblGrid>
-                <a:gridCol w="246185"/>
-                <a:gridCol w="246185"/>
-                <a:gridCol w="246185"/>
-                <a:gridCol w="246185"/>
-                <a:gridCol w="246185"/>
-                <a:gridCol w="246185"/>
-                <a:gridCol w="246185"/>
-                <a:gridCol w="246185"/>
-                <a:gridCol w="246185"/>
-                <a:gridCol w="246185"/>
-                <a:gridCol w="246185"/>
-                <a:gridCol w="246185"/>
-                <a:gridCol w="246185"/>
+                <a:gridCol w="246185">
+                  <a:extLst>
+                    <a:ext uri="{9D8B030D-6E8A-4147-A177-3AD203B41FA5}">
+                      <a16:colId xmlns:a16="http://schemas.microsoft.com/office/drawing/2014/main" val="20000"/>
+                    </a:ext>
+                  </a:extLst>
+                </a:gridCol>
+                <a:gridCol w="246185">
+                  <a:extLst>
+                    <a:ext uri="{9D8B030D-6E8A-4147-A177-3AD203B41FA5}">
+                      <a16:colId xmlns:a16="http://schemas.microsoft.com/office/drawing/2014/main" val="20001"/>
+                    </a:ext>
+                  </a:extLst>
+                </a:gridCol>
+                <a:gridCol w="246185">
+                  <a:extLst>
+                    <a:ext uri="{9D8B030D-6E8A-4147-A177-3AD203B41FA5}">
+                      <a16:colId xmlns:a16="http://schemas.microsoft.com/office/drawing/2014/main" val="20002"/>
+                    </a:ext>
+                  </a:extLst>
+                </a:gridCol>
+                <a:gridCol w="246185">
+                  <a:extLst>
+                    <a:ext uri="{9D8B030D-6E8A-4147-A177-3AD203B41FA5}">
+                      <a16:colId xmlns:a16="http://schemas.microsoft.com/office/drawing/2014/main" val="20003"/>
+                    </a:ext>
+                  </a:extLst>
+                </a:gridCol>
+                <a:gridCol w="246185">
+                  <a:extLst>
+                    <a:ext uri="{9D8B030D-6E8A-4147-A177-3AD203B41FA5}">
+                      <a16:colId xmlns:a16="http://schemas.microsoft.com/office/drawing/2014/main" val="20004"/>
+                    </a:ext>
+                  </a:extLst>
+                </a:gridCol>
+                <a:gridCol w="246185">
+                  <a:extLst>
+                    <a:ext uri="{9D8B030D-6E8A-4147-A177-3AD203B41FA5}">
+                      <a16:colId xmlns:a16="http://schemas.microsoft.com/office/drawing/2014/main" val="20005"/>
+                    </a:ext>
+                  </a:extLst>
+                </a:gridCol>
+                <a:gridCol w="246185">
+                  <a:extLst>
+                    <a:ext uri="{9D8B030D-6E8A-4147-A177-3AD203B41FA5}">
+                      <a16:colId xmlns:a16="http://schemas.microsoft.com/office/drawing/2014/main" val="20006"/>
+                    </a:ext>
+                  </a:extLst>
+                </a:gridCol>
+                <a:gridCol w="246185">
+                  <a:extLst>
+                    <a:ext uri="{9D8B030D-6E8A-4147-A177-3AD203B41FA5}">
+                      <a16:colId xmlns:a16="http://schemas.microsoft.com/office/drawing/2014/main" val="20007"/>
+                    </a:ext>
+                  </a:extLst>
+                </a:gridCol>
+                <a:gridCol w="246185">
+                  <a:extLst>
+                    <a:ext uri="{9D8B030D-6E8A-4147-A177-3AD203B41FA5}">
+                      <a16:colId xmlns:a16="http://schemas.microsoft.com/office/drawing/2014/main" val="20008"/>
+                    </a:ext>
+                  </a:extLst>
+                </a:gridCol>
+                <a:gridCol w="246185">
+                  <a:extLst>
+                    <a:ext uri="{9D8B030D-6E8A-4147-A177-3AD203B41FA5}">
+                      <a16:colId xmlns:a16="http://schemas.microsoft.com/office/drawing/2014/main" val="20009"/>
+                    </a:ext>
+                  </a:extLst>
+                </a:gridCol>
+                <a:gridCol w="246185">
+                  <a:extLst>
+                    <a:ext uri="{9D8B030D-6E8A-4147-A177-3AD203B41FA5}">
+                      <a16:colId xmlns:a16="http://schemas.microsoft.com/office/drawing/2014/main" val="20010"/>
+                    </a:ext>
+                  </a:extLst>
+                </a:gridCol>
+                <a:gridCol w="246185">
+                  <a:extLst>
+                    <a:ext uri="{9D8B030D-6E8A-4147-A177-3AD203B41FA5}">
+                      <a16:colId xmlns:a16="http://schemas.microsoft.com/office/drawing/2014/main" val="20011"/>
+                    </a:ext>
+                  </a:extLst>
+                </a:gridCol>
+                <a:gridCol w="246185">
+                  <a:extLst>
+                    <a:ext uri="{9D8B030D-6E8A-4147-A177-3AD203B41FA5}">
+                      <a16:colId xmlns:a16="http://schemas.microsoft.com/office/drawing/2014/main" val="20012"/>
+                    </a:ext>
+                  </a:extLst>
+                </a:gridCol>
               </a:tblGrid>
               <a:tr h="180729">
                 <a:tc>
@@ -14321,6 +14882,11 @@
                     </a:lnB>
                   </a:tcPr>
                 </a:tc>
+                <a:extLst>
+                  <a:ext uri="{0D108BD9-81ED-4DB2-BD59-A6C34878D82A}">
+                    <a16:rowId xmlns:a16="http://schemas.microsoft.com/office/drawing/2014/main" val="10000"/>
+                  </a:ext>
+                </a:extLst>
               </a:tr>
               <a:tr h="180729">
                 <a:tc>
@@ -14752,6 +15318,11 @@
                     </a:lnB>
                   </a:tcPr>
                 </a:tc>
+                <a:extLst>
+                  <a:ext uri="{0D108BD9-81ED-4DB2-BD59-A6C34878D82A}">
+                    <a16:rowId xmlns:a16="http://schemas.microsoft.com/office/drawing/2014/main" val="10001"/>
+                  </a:ext>
+                </a:extLst>
               </a:tr>
               <a:tr h="180729">
                 <a:tc>
@@ -15183,6 +15754,11 @@
                     </a:lnB>
                   </a:tcPr>
                 </a:tc>
+                <a:extLst>
+                  <a:ext uri="{0D108BD9-81ED-4DB2-BD59-A6C34878D82A}">
+                    <a16:rowId xmlns:a16="http://schemas.microsoft.com/office/drawing/2014/main" val="10002"/>
+                  </a:ext>
+                </a:extLst>
               </a:tr>
               <a:tr h="180729">
                 <a:tc>
@@ -15614,6 +16190,11 @@
                     </a:lnB>
                   </a:tcPr>
                 </a:tc>
+                <a:extLst>
+                  <a:ext uri="{0D108BD9-81ED-4DB2-BD59-A6C34878D82A}">
+                    <a16:rowId xmlns:a16="http://schemas.microsoft.com/office/drawing/2014/main" val="10003"/>
+                  </a:ext>
+                </a:extLst>
               </a:tr>
               <a:tr h="180729">
                 <a:tc>
@@ -16045,6 +16626,11 @@
                     </a:lnB>
                   </a:tcPr>
                 </a:tc>
+                <a:extLst>
+                  <a:ext uri="{0D108BD9-81ED-4DB2-BD59-A6C34878D82A}">
+                    <a16:rowId xmlns:a16="http://schemas.microsoft.com/office/drawing/2014/main" val="10004"/>
+                  </a:ext>
+                </a:extLst>
               </a:tr>
               <a:tr h="180729">
                 <a:tc>
@@ -16476,6 +17062,11 @@
                     </a:lnB>
                   </a:tcPr>
                 </a:tc>
+                <a:extLst>
+                  <a:ext uri="{0D108BD9-81ED-4DB2-BD59-A6C34878D82A}">
+                    <a16:rowId xmlns:a16="http://schemas.microsoft.com/office/drawing/2014/main" val="10005"/>
+                  </a:ext>
+                </a:extLst>
               </a:tr>
               <a:tr h="180729">
                 <a:tc>
@@ -16907,6 +17498,11 @@
                     </a:lnB>
                   </a:tcPr>
                 </a:tc>
+                <a:extLst>
+                  <a:ext uri="{0D108BD9-81ED-4DB2-BD59-A6C34878D82A}">
+                    <a16:rowId xmlns:a16="http://schemas.microsoft.com/office/drawing/2014/main" val="10006"/>
+                  </a:ext>
+                </a:extLst>
               </a:tr>
               <a:tr h="180729">
                 <a:tc>
@@ -17338,6 +17934,11 @@
                     </a:lnB>
                   </a:tcPr>
                 </a:tc>
+                <a:extLst>
+                  <a:ext uri="{0D108BD9-81ED-4DB2-BD59-A6C34878D82A}">
+                    <a16:rowId xmlns:a16="http://schemas.microsoft.com/office/drawing/2014/main" val="10007"/>
+                  </a:ext>
+                </a:extLst>
               </a:tr>
               <a:tr h="180729">
                 <a:tc>
@@ -17778,6 +18379,11 @@
                     </a:lnB>
                   </a:tcPr>
                 </a:tc>
+                <a:extLst>
+                  <a:ext uri="{0D108BD9-81ED-4DB2-BD59-A6C34878D82A}">
+                    <a16:rowId xmlns:a16="http://schemas.microsoft.com/office/drawing/2014/main" val="10008"/>
+                  </a:ext>
+                </a:extLst>
               </a:tr>
               <a:tr h="193440">
                 <a:tc>
@@ -18218,6 +18824,11 @@
                     </a:lnB>
                   </a:tcPr>
                 </a:tc>
+                <a:extLst>
+                  <a:ext uri="{0D108BD9-81ED-4DB2-BD59-A6C34878D82A}">
+                    <a16:rowId xmlns:a16="http://schemas.microsoft.com/office/drawing/2014/main" val="10009"/>
+                  </a:ext>
+                </a:extLst>
               </a:tr>
               <a:tr h="180729">
                 <a:tc>
@@ -18658,6 +19269,11 @@
                     </a:lnB>
                   </a:tcPr>
                 </a:tc>
+                <a:extLst>
+                  <a:ext uri="{0D108BD9-81ED-4DB2-BD59-A6C34878D82A}">
+                    <a16:rowId xmlns:a16="http://schemas.microsoft.com/office/drawing/2014/main" val="10010"/>
+                  </a:ext>
+                </a:extLst>
               </a:tr>
               <a:tr h="180729">
                 <a:tc>
@@ -19089,6 +19705,11 @@
                     </a:lnB>
                   </a:tcPr>
                 </a:tc>
+                <a:extLst>
+                  <a:ext uri="{0D108BD9-81ED-4DB2-BD59-A6C34878D82A}">
+                    <a16:rowId xmlns:a16="http://schemas.microsoft.com/office/drawing/2014/main" val="10011"/>
+                  </a:ext>
+                </a:extLst>
               </a:tr>
               <a:tr h="180729">
                 <a:tc>
@@ -19520,6 +20141,11 @@
                     </a:lnB>
                   </a:tcPr>
                 </a:tc>
+                <a:extLst>
+                  <a:ext uri="{0D108BD9-81ED-4DB2-BD59-A6C34878D82A}">
+                    <a16:rowId xmlns:a16="http://schemas.microsoft.com/office/drawing/2014/main" val="10012"/>
+                  </a:ext>
+                </a:extLst>
               </a:tr>
             </a:tbl>
           </a:graphicData>
@@ -19549,19 +20175,97 @@
             <a:tbl>
               <a:tblPr/>
               <a:tblGrid>
-                <a:gridCol w="240323"/>
-                <a:gridCol w="240323"/>
-                <a:gridCol w="240323"/>
-                <a:gridCol w="240323"/>
-                <a:gridCol w="240323"/>
-                <a:gridCol w="240323"/>
-                <a:gridCol w="240323"/>
-                <a:gridCol w="240323"/>
-                <a:gridCol w="240323"/>
-                <a:gridCol w="240323"/>
-                <a:gridCol w="240323"/>
-                <a:gridCol w="240323"/>
-                <a:gridCol w="240323"/>
+                <a:gridCol w="240323">
+                  <a:extLst>
+                    <a:ext uri="{9D8B030D-6E8A-4147-A177-3AD203B41FA5}">
+                      <a16:colId xmlns:a16="http://schemas.microsoft.com/office/drawing/2014/main" val="20000"/>
+                    </a:ext>
+                  </a:extLst>
+                </a:gridCol>
+                <a:gridCol w="240323">
+                  <a:extLst>
+                    <a:ext uri="{9D8B030D-6E8A-4147-A177-3AD203B41FA5}">
+                      <a16:colId xmlns:a16="http://schemas.microsoft.com/office/drawing/2014/main" val="20001"/>
+                    </a:ext>
+                  </a:extLst>
+                </a:gridCol>
+                <a:gridCol w="240323">
+                  <a:extLst>
+                    <a:ext uri="{9D8B030D-6E8A-4147-A177-3AD203B41FA5}">
+                      <a16:colId xmlns:a16="http://schemas.microsoft.com/office/drawing/2014/main" val="20002"/>
+                    </a:ext>
+                  </a:extLst>
+                </a:gridCol>
+                <a:gridCol w="240323">
+                  <a:extLst>
+                    <a:ext uri="{9D8B030D-6E8A-4147-A177-3AD203B41FA5}">
+                      <a16:colId xmlns:a16="http://schemas.microsoft.com/office/drawing/2014/main" val="20003"/>
+                    </a:ext>
+                  </a:extLst>
+                </a:gridCol>
+                <a:gridCol w="240323">
+                  <a:extLst>
+                    <a:ext uri="{9D8B030D-6E8A-4147-A177-3AD203B41FA5}">
+                      <a16:colId xmlns:a16="http://schemas.microsoft.com/office/drawing/2014/main" val="20004"/>
+                    </a:ext>
+                  </a:extLst>
+                </a:gridCol>
+                <a:gridCol w="240323">
+                  <a:extLst>
+                    <a:ext uri="{9D8B030D-6E8A-4147-A177-3AD203B41FA5}">
+                      <a16:colId xmlns:a16="http://schemas.microsoft.com/office/drawing/2014/main" val="20005"/>
+                    </a:ext>
+                  </a:extLst>
+                </a:gridCol>
+                <a:gridCol w="240323">
+                  <a:extLst>
+                    <a:ext uri="{9D8B030D-6E8A-4147-A177-3AD203B41FA5}">
+                      <a16:colId xmlns:a16="http://schemas.microsoft.com/office/drawing/2014/main" val="20006"/>
+                    </a:ext>
+                  </a:extLst>
+                </a:gridCol>
+                <a:gridCol w="240323">
+                  <a:extLst>
+                    <a:ext uri="{9D8B030D-6E8A-4147-A177-3AD203B41FA5}">
+                      <a16:colId xmlns:a16="http://schemas.microsoft.com/office/drawing/2014/main" val="20007"/>
+                    </a:ext>
+                  </a:extLst>
+                </a:gridCol>
+                <a:gridCol w="240323">
+                  <a:extLst>
+                    <a:ext uri="{9D8B030D-6E8A-4147-A177-3AD203B41FA5}">
+                      <a16:colId xmlns:a16="http://schemas.microsoft.com/office/drawing/2014/main" val="20008"/>
+                    </a:ext>
+                  </a:extLst>
+                </a:gridCol>
+                <a:gridCol w="240323">
+                  <a:extLst>
+                    <a:ext uri="{9D8B030D-6E8A-4147-A177-3AD203B41FA5}">
+                      <a16:colId xmlns:a16="http://schemas.microsoft.com/office/drawing/2014/main" val="20009"/>
+                    </a:ext>
+                  </a:extLst>
+                </a:gridCol>
+                <a:gridCol w="240323">
+                  <a:extLst>
+                    <a:ext uri="{9D8B030D-6E8A-4147-A177-3AD203B41FA5}">
+                      <a16:colId xmlns:a16="http://schemas.microsoft.com/office/drawing/2014/main" val="20010"/>
+                    </a:ext>
+                  </a:extLst>
+                </a:gridCol>
+                <a:gridCol w="240323">
+                  <a:extLst>
+                    <a:ext uri="{9D8B030D-6E8A-4147-A177-3AD203B41FA5}">
+                      <a16:colId xmlns:a16="http://schemas.microsoft.com/office/drawing/2014/main" val="20011"/>
+                    </a:ext>
+                  </a:extLst>
+                </a:gridCol>
+                <a:gridCol w="240323">
+                  <a:extLst>
+                    <a:ext uri="{9D8B030D-6E8A-4147-A177-3AD203B41FA5}">
+                      <a16:colId xmlns:a16="http://schemas.microsoft.com/office/drawing/2014/main" val="20012"/>
+                    </a:ext>
+                  </a:extLst>
+                </a:gridCol>
               </a:tblGrid>
               <a:tr h="181707">
                 <a:tc>
@@ -19993,6 +20697,11 @@
                     </a:lnB>
                   </a:tcPr>
                 </a:tc>
+                <a:extLst>
+                  <a:ext uri="{0D108BD9-81ED-4DB2-BD59-A6C34878D82A}">
+                    <a16:rowId xmlns:a16="http://schemas.microsoft.com/office/drawing/2014/main" val="10000"/>
+                  </a:ext>
+                </a:extLst>
               </a:tr>
               <a:tr h="181707">
                 <a:tc>
@@ -20424,6 +21133,11 @@
                     </a:lnB>
                   </a:tcPr>
                 </a:tc>
+                <a:extLst>
+                  <a:ext uri="{0D108BD9-81ED-4DB2-BD59-A6C34878D82A}">
+                    <a16:rowId xmlns:a16="http://schemas.microsoft.com/office/drawing/2014/main" val="10001"/>
+                  </a:ext>
+                </a:extLst>
               </a:tr>
               <a:tr h="181707">
                 <a:tc>
@@ -20855,6 +21569,11 @@
                     </a:lnB>
                   </a:tcPr>
                 </a:tc>
+                <a:extLst>
+                  <a:ext uri="{0D108BD9-81ED-4DB2-BD59-A6C34878D82A}">
+                    <a16:rowId xmlns:a16="http://schemas.microsoft.com/office/drawing/2014/main" val="10002"/>
+                  </a:ext>
+                </a:extLst>
               </a:tr>
               <a:tr h="181707">
                 <a:tc>
@@ -21286,6 +22005,11 @@
                     </a:lnB>
                   </a:tcPr>
                 </a:tc>
+                <a:extLst>
+                  <a:ext uri="{0D108BD9-81ED-4DB2-BD59-A6C34878D82A}">
+                    <a16:rowId xmlns:a16="http://schemas.microsoft.com/office/drawing/2014/main" val="10003"/>
+                  </a:ext>
+                </a:extLst>
               </a:tr>
               <a:tr h="181707">
                 <a:tc>
@@ -21717,6 +22441,11 @@
                     </a:lnB>
                   </a:tcPr>
                 </a:tc>
+                <a:extLst>
+                  <a:ext uri="{0D108BD9-81ED-4DB2-BD59-A6C34878D82A}">
+                    <a16:rowId xmlns:a16="http://schemas.microsoft.com/office/drawing/2014/main" val="10004"/>
+                  </a:ext>
+                </a:extLst>
               </a:tr>
               <a:tr h="181707">
                 <a:tc>
@@ -22148,6 +22877,11 @@
                     </a:lnB>
                   </a:tcPr>
                 </a:tc>
+                <a:extLst>
+                  <a:ext uri="{0D108BD9-81ED-4DB2-BD59-A6C34878D82A}">
+                    <a16:rowId xmlns:a16="http://schemas.microsoft.com/office/drawing/2014/main" val="10005"/>
+                  </a:ext>
+                </a:extLst>
               </a:tr>
               <a:tr h="181707">
                 <a:tc>
@@ -22579,6 +23313,11 @@
                     </a:lnB>
                   </a:tcPr>
                 </a:tc>
+                <a:extLst>
+                  <a:ext uri="{0D108BD9-81ED-4DB2-BD59-A6C34878D82A}">
+                    <a16:rowId xmlns:a16="http://schemas.microsoft.com/office/drawing/2014/main" val="10006"/>
+                  </a:ext>
+                </a:extLst>
               </a:tr>
               <a:tr h="181707">
                 <a:tc>
@@ -23010,6 +23749,11 @@
                     </a:lnB>
                   </a:tcPr>
                 </a:tc>
+                <a:extLst>
+                  <a:ext uri="{0D108BD9-81ED-4DB2-BD59-A6C34878D82A}">
+                    <a16:rowId xmlns:a16="http://schemas.microsoft.com/office/drawing/2014/main" val="10007"/>
+                  </a:ext>
+                </a:extLst>
               </a:tr>
               <a:tr h="181707">
                 <a:tc>
@@ -23450,6 +24194,11 @@
                     </a:lnB>
                   </a:tcPr>
                 </a:tc>
+                <a:extLst>
+                  <a:ext uri="{0D108BD9-81ED-4DB2-BD59-A6C34878D82A}">
+                    <a16:rowId xmlns:a16="http://schemas.microsoft.com/office/drawing/2014/main" val="10008"/>
+                  </a:ext>
+                </a:extLst>
               </a:tr>
               <a:tr h="181707">
                 <a:tc>
@@ -23890,6 +24639,11 @@
                     </a:lnB>
                   </a:tcPr>
                 </a:tc>
+                <a:extLst>
+                  <a:ext uri="{0D108BD9-81ED-4DB2-BD59-A6C34878D82A}">
+                    <a16:rowId xmlns:a16="http://schemas.microsoft.com/office/drawing/2014/main" val="10009"/>
+                  </a:ext>
+                </a:extLst>
               </a:tr>
               <a:tr h="181707">
                 <a:tc>
@@ -24330,6 +25084,11 @@
                     </a:lnB>
                   </a:tcPr>
                 </a:tc>
+                <a:extLst>
+                  <a:ext uri="{0D108BD9-81ED-4DB2-BD59-A6C34878D82A}">
+                    <a16:rowId xmlns:a16="http://schemas.microsoft.com/office/drawing/2014/main" val="10010"/>
+                  </a:ext>
+                </a:extLst>
               </a:tr>
               <a:tr h="181707">
                 <a:tc>
@@ -24761,6 +25520,11 @@
                     </a:lnB>
                   </a:tcPr>
                 </a:tc>
+                <a:extLst>
+                  <a:ext uri="{0D108BD9-81ED-4DB2-BD59-A6C34878D82A}">
+                    <a16:rowId xmlns:a16="http://schemas.microsoft.com/office/drawing/2014/main" val="10011"/>
+                  </a:ext>
+                </a:extLst>
               </a:tr>
               <a:tr h="181707">
                 <a:tc>
@@ -25192,6 +25956,11 @@
                     </a:lnB>
                   </a:tcPr>
                 </a:tc>
+                <a:extLst>
+                  <a:ext uri="{0D108BD9-81ED-4DB2-BD59-A6C34878D82A}">
+                    <a16:rowId xmlns:a16="http://schemas.microsoft.com/office/drawing/2014/main" val="10012"/>
+                  </a:ext>
+                </a:extLst>
               </a:tr>
             </a:tbl>
           </a:graphicData>
@@ -25345,7 +26114,7 @@
         </p:nvSpPr>
         <p:spPr>
           <a:xfrm>
-            <a:off x="609600" y="2625213"/>
+            <a:off x="609600" y="2667000"/>
             <a:ext cx="609600" cy="651387"/>
           </a:xfrm>
           <a:prstGeom prst="rect">
@@ -25391,7 +26160,7 @@
         </p:nvSpPr>
         <p:spPr>
           <a:xfrm>
-            <a:off x="4876800" y="2625213"/>
+            <a:off x="4876800" y="2667000"/>
             <a:ext cx="609600" cy="651387"/>
           </a:xfrm>
           <a:prstGeom prst="rect">
@@ -25544,10 +26313,9 @@
           <a:lstStyle/>
           <a:p>
             <a:r>
-              <a:rPr lang="en-US" dirty="0" smtClean="0"/>
+              <a:rPr lang="en-US" dirty="0"/>
               <a:t>median of 176, 177, 220, 255, 12, 208, 211, 211, and 207 = 208</a:t>
             </a:r>
-            <a:endParaRPr lang="en-US" dirty="0"/>
           </a:p>
         </p:txBody>
       </p:sp>
@@ -25561,13 +26329,6 @@
   <p:clrMapOvr>
     <a:masterClrMapping/>
   </p:clrMapOvr>
-  <p:timing>
-    <p:tnLst>
-      <p:par>
-        <p:cTn id="1" dur="indefinite" restart="never" nodeType="tmRoot"/>
-      </p:par>
-    </p:tnLst>
-  </p:timing>
 </p:sld>
 </file>
 
